--- a/Cannabis_ Cash Crop or Crime Boom_.pptx
+++ b/Cannabis_ Cash Crop or Crime Boom_.pptx
@@ -6745,7 +6745,7 @@
             </a:pPr>
             <a:r>
               <a:rPr lang="en"/>
-              <a:t>Hypothesis testing: Once a control was established, I ran a series of hypothesis tests for types of crime associated with piracy:</a:t>
+              <a:t>Hypothesis testing: Once a control was established, I ran a series of hypothesis tests for types of crime associated with piracy with 𝛼 = 0.05:</a:t>
             </a:r>
             <a:endParaRPr/>
           </a:p>
@@ -6944,7 +6944,7 @@
             </a:pPr>
             <a:r>
               <a:rPr lang="en"/>
-              <a:t>We observe the same change in 2014 when Portland legalized, but again this is not significant.</a:t>
+              <a:t>We observe the same change in 2014 when Portland legalized, but again this is not statistically significant.</a:t>
             </a:r>
             <a:endParaRPr/>
           </a:p>
@@ -7507,7 +7507,11 @@
             </a:pPr>
             <a:r>
               <a:rPr lang="en"/>
-              <a:t>Results and Next Steps</a:t>
+              <a:t>Results </a:t>
+            </a:r>
+            <a:r>
+              <a:rPr lang="en"/>
+              <a:t>and Next Steps</a:t>
             </a:r>
             <a:endParaRPr/>
           </a:p>
@@ -7548,7 +7552,7 @@
             </a:pPr>
             <a:r>
               <a:rPr lang="en"/>
-              <a:t>From the data presented we cannot conclude that Weed Pirates are coming in and causing a surge in violent crime.  We instead see a continuation of trends already in place.</a:t>
+              <a:t>Based on this data we cannot conclude that Weed Pirates are causing a significant increase in crime.  Instead, I observe a continuation of trends existing before legalization.</a:t>
             </a:r>
             <a:endParaRPr/>
           </a:p>
@@ -7675,6 +7679,285 @@
 </file>
 
 <file path=ppt/theme/theme1.xml><?xml version="1.0" encoding="utf-8"?>
+<a:theme xmlns:a="http://schemas.openxmlformats.org/drawingml/2006/main" xmlns:r="http://schemas.openxmlformats.org/officeDocument/2006/relationships">
+  <a:themeElements>
+    <a:clrScheme name="Default">
+      <a:dk1>
+        <a:srgbClr val="000000"/>
+      </a:dk1>
+      <a:lt1>
+        <a:srgbClr val="FFFFFF"/>
+      </a:lt1>
+      <a:dk2>
+        <a:srgbClr val="158158"/>
+      </a:dk2>
+      <a:lt2>
+        <a:srgbClr val="F3F3F3"/>
+      </a:lt2>
+      <a:accent1>
+        <a:srgbClr val="058DC7"/>
+      </a:accent1>
+      <a:accent2>
+        <a:srgbClr val="50B432"/>
+      </a:accent2>
+      <a:accent3>
+        <a:srgbClr val="ED561B"/>
+      </a:accent3>
+      <a:accent4>
+        <a:srgbClr val="EDEF00"/>
+      </a:accent4>
+      <a:accent5>
+        <a:srgbClr val="24CBE5"/>
+      </a:accent5>
+      <a:accent6>
+        <a:srgbClr val="64E572"/>
+      </a:accent6>
+      <a:hlink>
+        <a:srgbClr val="2200CC"/>
+      </a:hlink>
+      <a:folHlink>
+        <a:srgbClr val="551A8B"/>
+      </a:folHlink>
+    </a:clrScheme>
+    <a:fontScheme name="Office">
+      <a:majorFont>
+        <a:latin typeface="Arial"/>
+        <a:ea typeface=""/>
+        <a:cs typeface=""/>
+        <a:font script="Jpan" typeface="ＭＳ Ｐゴシック"/>
+        <a:font script="Hang" typeface="맑은 고딕"/>
+        <a:font script="Hans" typeface="宋体"/>
+        <a:font script="Hant" typeface="新細明體"/>
+        <a:font script="Arab" typeface="Times New Roman"/>
+        <a:font script="Hebr" typeface="Times New Roman"/>
+        <a:font script="Thai" typeface="Angsana New"/>
+        <a:font script="Ethi" typeface="Nyala"/>
+        <a:font script="Beng" typeface="Vrinda"/>
+        <a:font script="Gujr" typeface="Shruti"/>
+        <a:font script="Khmr" typeface="MoolBoran"/>
+        <a:font script="Knda" typeface="Tunga"/>
+        <a:font script="Guru" typeface="Raavi"/>
+        <a:font script="Cans" typeface="Euphemia"/>
+        <a:font script="Cher" typeface="Plantagenet Cherokee"/>
+        <a:font script="Yiii" typeface="Microsoft Yi Baiti"/>
+        <a:font script="Tibt" typeface="Microsoft Himalaya"/>
+        <a:font script="Thaa" typeface="MV Boli"/>
+        <a:font script="Deva" typeface="Mangal"/>
+        <a:font script="Telu" typeface="Gautami"/>
+        <a:font script="Taml" typeface="Latha"/>
+        <a:font script="Syrc" typeface="Estrangelo Edessa"/>
+        <a:font script="Orya" typeface="Kalinga"/>
+        <a:font script="Mlym" typeface="Kartika"/>
+        <a:font script="Laoo" typeface="DokChampa"/>
+        <a:font script="Sinh" typeface="Iskoola Pota"/>
+        <a:font script="Mong" typeface="Mongolian Baiti"/>
+        <a:font script="Viet" typeface="Times New Roman"/>
+        <a:font script="Uigh" typeface="Microsoft Uighur"/>
+        <a:font script="Geor" typeface="Sylfaen"/>
+      </a:majorFont>
+      <a:minorFont>
+        <a:latin typeface="Arial"/>
+        <a:ea typeface=""/>
+        <a:cs typeface=""/>
+        <a:font script="Jpan" typeface="ＭＳ Ｐゴシック"/>
+        <a:font script="Hang" typeface="맑은 고딕"/>
+        <a:font script="Hans" typeface="宋体"/>
+        <a:font script="Hant" typeface="新細明體"/>
+        <a:font script="Arab" typeface="Arial"/>
+        <a:font script="Hebr" typeface="Arial"/>
+        <a:font script="Thai" typeface="Cordia New"/>
+        <a:font script="Ethi" typeface="Nyala"/>
+        <a:font script="Beng" typeface="Vrinda"/>
+        <a:font script="Gujr" typeface="Shruti"/>
+        <a:font script="Khmr" typeface="DaunPenh"/>
+        <a:font script="Knda" typeface="Tunga"/>
+        <a:font script="Guru" typeface="Raavi"/>
+        <a:font script="Cans" typeface="Euphemia"/>
+        <a:font script="Cher" typeface="Plantagenet Cherokee"/>
+        <a:font script="Yiii" typeface="Microsoft Yi Baiti"/>
+        <a:font script="Tibt" typeface="Microsoft Himalaya"/>
+        <a:font script="Thaa" typeface="MV Boli"/>
+        <a:font script="Deva" typeface="Mangal"/>
+        <a:font script="Telu" typeface="Gautami"/>
+        <a:font script="Taml" typeface="Latha"/>
+        <a:font script="Syrc" typeface="Estrangelo Edessa"/>
+        <a:font script="Orya" typeface="Kalinga"/>
+        <a:font script="Mlym" typeface="Kartika"/>
+        <a:font script="Laoo" typeface="DokChampa"/>
+        <a:font script="Sinh" typeface="Iskoola Pota"/>
+        <a:font script="Mong" typeface="Mongolian Baiti"/>
+        <a:font script="Viet" typeface="Arial"/>
+        <a:font script="Uigh" typeface="Microsoft Uighur"/>
+        <a:font script="Geor" typeface="Sylfaen"/>
+      </a:minorFont>
+    </a:fontScheme>
+    <a:fmtScheme name="Office">
+      <a:fillStyleLst>
+        <a:solidFill>
+          <a:schemeClr val="phClr"/>
+        </a:solidFill>
+        <a:gradFill rotWithShape="1">
+          <a:gsLst>
+            <a:gs pos="0">
+              <a:schemeClr val="phClr">
+                <a:tint val="50000"/>
+                <a:satMod val="300000"/>
+              </a:schemeClr>
+            </a:gs>
+            <a:gs pos="35000">
+              <a:schemeClr val="phClr">
+                <a:tint val="37000"/>
+                <a:satMod val="300000"/>
+              </a:schemeClr>
+            </a:gs>
+            <a:gs pos="100000">
+              <a:schemeClr val="phClr">
+                <a:tint val="15000"/>
+                <a:satMod val="350000"/>
+              </a:schemeClr>
+            </a:gs>
+          </a:gsLst>
+          <a:lin ang="16200000" scaled="1"/>
+        </a:gradFill>
+        <a:gradFill rotWithShape="1">
+          <a:gsLst>
+            <a:gs pos="0">
+              <a:schemeClr val="phClr">
+                <a:tint val="100000"/>
+                <a:shade val="100000"/>
+                <a:satMod val="130000"/>
+              </a:schemeClr>
+            </a:gs>
+            <a:gs pos="100000">
+              <a:schemeClr val="phClr">
+                <a:tint val="50000"/>
+                <a:shade val="100000"/>
+                <a:satMod val="350000"/>
+              </a:schemeClr>
+            </a:gs>
+          </a:gsLst>
+          <a:lin ang="16200000" scaled="0"/>
+        </a:gradFill>
+      </a:fillStyleLst>
+      <a:lnStyleLst>
+        <a:ln w="9525" cap="flat" cmpd="sng" algn="ctr">
+          <a:solidFill>
+            <a:schemeClr val="phClr">
+              <a:shade val="95000"/>
+              <a:satMod val="105000"/>
+            </a:schemeClr>
+          </a:solidFill>
+          <a:prstDash val="solid"/>
+        </a:ln>
+        <a:ln w="25400" cap="flat" cmpd="sng" algn="ctr">
+          <a:solidFill>
+            <a:schemeClr val="phClr"/>
+          </a:solidFill>
+          <a:prstDash val="solid"/>
+        </a:ln>
+        <a:ln w="38100" cap="flat" cmpd="sng" algn="ctr">
+          <a:solidFill>
+            <a:schemeClr val="phClr"/>
+          </a:solidFill>
+          <a:prstDash val="solid"/>
+        </a:ln>
+      </a:lnStyleLst>
+      <a:effectStyleLst>
+        <a:effectStyle>
+          <a:effectLst>
+            <a:outerShdw blurRad="40000" dist="20000" dir="5400000" rotWithShape="0">
+              <a:srgbClr val="000000">
+                <a:alpha val="38000"/>
+              </a:srgbClr>
+            </a:outerShdw>
+          </a:effectLst>
+        </a:effectStyle>
+        <a:effectStyle>
+          <a:effectLst>
+            <a:outerShdw blurRad="40000" dist="23000" dir="5400000" rotWithShape="0">
+              <a:srgbClr val="000000">
+                <a:alpha val="35000"/>
+              </a:srgbClr>
+            </a:outerShdw>
+          </a:effectLst>
+        </a:effectStyle>
+        <a:effectStyle>
+          <a:effectLst>
+            <a:outerShdw blurRad="40000" dist="23000" dir="5400000" rotWithShape="0">
+              <a:srgbClr val="000000">
+                <a:alpha val="35000"/>
+              </a:srgbClr>
+            </a:outerShdw>
+          </a:effectLst>
+          <a:scene3d>
+            <a:camera prst="orthographicFront">
+              <a:rot lat="0" lon="0" rev="0"/>
+            </a:camera>
+            <a:lightRig rig="threePt" dir="t">
+              <a:rot lat="0" lon="0" rev="1200000"/>
+            </a:lightRig>
+          </a:scene3d>
+          <a:sp3d>
+            <a:bevelT w="63500" h="25400"/>
+          </a:sp3d>
+        </a:effectStyle>
+      </a:effectStyleLst>
+      <a:bgFillStyleLst>
+        <a:solidFill>
+          <a:schemeClr val="phClr"/>
+        </a:solidFill>
+        <a:gradFill rotWithShape="1">
+          <a:gsLst>
+            <a:gs pos="0">
+              <a:schemeClr val="phClr">
+                <a:tint val="40000"/>
+                <a:satMod val="350000"/>
+              </a:schemeClr>
+            </a:gs>
+            <a:gs pos="40000">
+              <a:schemeClr val="phClr">
+                <a:tint val="45000"/>
+                <a:shade val="99000"/>
+                <a:satMod val="350000"/>
+              </a:schemeClr>
+            </a:gs>
+            <a:gs pos="100000">
+              <a:schemeClr val="phClr">
+                <a:shade val="20000"/>
+                <a:satMod val="255000"/>
+              </a:schemeClr>
+            </a:gs>
+          </a:gsLst>
+          <a:path path="circle">
+            <a:fillToRect l="50000" t="-80000" r="50000" b="180000"/>
+          </a:path>
+        </a:gradFill>
+        <a:gradFill rotWithShape="1">
+          <a:gsLst>
+            <a:gs pos="0">
+              <a:schemeClr val="phClr">
+                <a:tint val="80000"/>
+                <a:satMod val="300000"/>
+              </a:schemeClr>
+            </a:gs>
+            <a:gs pos="100000">
+              <a:schemeClr val="phClr">
+                <a:shade val="30000"/>
+                <a:satMod val="200000"/>
+              </a:schemeClr>
+            </a:gs>
+          </a:gsLst>
+          <a:path path="circle">
+            <a:fillToRect l="50000" t="50000" r="50000" b="50000"/>
+          </a:path>
+        </a:gradFill>
+      </a:bgFillStyleLst>
+    </a:fmtScheme>
+  </a:themeElements>
+</a:theme>
+</file>
+
+<file path=ppt/theme/theme2.xml><?xml version="1.0" encoding="utf-8"?>
 <a:theme xmlns:a="http://schemas.openxmlformats.org/drawingml/2006/main" xmlns:r="http://schemas.openxmlformats.org/officeDocument/2006/relationships" name="Simple Light">
   <a:themeElements>
     <a:clrScheme name="Simple Light">
@@ -7951,283 +8234,4 @@
     </a:fmtScheme>
   </a:themeElements>
 </a:theme>
-</file>
-
-<file path=ppt/theme/theme2.xml><?xml version="1.0" encoding="utf-8"?>
-<a:theme xmlns:a="http://schemas.openxmlformats.org/drawingml/2006/main" xmlns:r="http://schemas.openxmlformats.org/officeDocument/2006/relationships">
-  <a:themeElements>
-    <a:clrScheme name="Default">
-      <a:dk1>
-        <a:srgbClr val="000000"/>
-      </a:dk1>
-      <a:lt1>
-        <a:srgbClr val="FFFFFF"/>
-      </a:lt1>
-      <a:dk2>
-        <a:srgbClr val="158158"/>
-      </a:dk2>
-      <a:lt2>
-        <a:srgbClr val="F3F3F3"/>
-      </a:lt2>
-      <a:accent1>
-        <a:srgbClr val="058DC7"/>
-      </a:accent1>
-      <a:accent2>
-        <a:srgbClr val="50B432"/>
-      </a:accent2>
-      <a:accent3>
-        <a:srgbClr val="ED561B"/>
-      </a:accent3>
-      <a:accent4>
-        <a:srgbClr val="EDEF00"/>
-      </a:accent4>
-      <a:accent5>
-        <a:srgbClr val="24CBE5"/>
-      </a:accent5>
-      <a:accent6>
-        <a:srgbClr val="64E572"/>
-      </a:accent6>
-      <a:hlink>
-        <a:srgbClr val="2200CC"/>
-      </a:hlink>
-      <a:folHlink>
-        <a:srgbClr val="551A8B"/>
-      </a:folHlink>
-    </a:clrScheme>
-    <a:fontScheme name="Office">
-      <a:majorFont>
-        <a:latin typeface="Arial"/>
-        <a:ea typeface=""/>
-        <a:cs typeface=""/>
-        <a:font script="Jpan" typeface="ＭＳ Ｐゴシック"/>
-        <a:font script="Hang" typeface="맑은 고딕"/>
-        <a:font script="Hans" typeface="宋体"/>
-        <a:font script="Hant" typeface="新細明體"/>
-        <a:font script="Arab" typeface="Times New Roman"/>
-        <a:font script="Hebr" typeface="Times New Roman"/>
-        <a:font script="Thai" typeface="Angsana New"/>
-        <a:font script="Ethi" typeface="Nyala"/>
-        <a:font script="Beng" typeface="Vrinda"/>
-        <a:font script="Gujr" typeface="Shruti"/>
-        <a:font script="Khmr" typeface="MoolBoran"/>
-        <a:font script="Knda" typeface="Tunga"/>
-        <a:font script="Guru" typeface="Raavi"/>
-        <a:font script="Cans" typeface="Euphemia"/>
-        <a:font script="Cher" typeface="Plantagenet Cherokee"/>
-        <a:font script="Yiii" typeface="Microsoft Yi Baiti"/>
-        <a:font script="Tibt" typeface="Microsoft Himalaya"/>
-        <a:font script="Thaa" typeface="MV Boli"/>
-        <a:font script="Deva" typeface="Mangal"/>
-        <a:font script="Telu" typeface="Gautami"/>
-        <a:font script="Taml" typeface="Latha"/>
-        <a:font script="Syrc" typeface="Estrangelo Edessa"/>
-        <a:font script="Orya" typeface="Kalinga"/>
-        <a:font script="Mlym" typeface="Kartika"/>
-        <a:font script="Laoo" typeface="DokChampa"/>
-        <a:font script="Sinh" typeface="Iskoola Pota"/>
-        <a:font script="Mong" typeface="Mongolian Baiti"/>
-        <a:font script="Viet" typeface="Times New Roman"/>
-        <a:font script="Uigh" typeface="Microsoft Uighur"/>
-        <a:font script="Geor" typeface="Sylfaen"/>
-      </a:majorFont>
-      <a:minorFont>
-        <a:latin typeface="Arial"/>
-        <a:ea typeface=""/>
-        <a:cs typeface=""/>
-        <a:font script="Jpan" typeface="ＭＳ Ｐゴシック"/>
-        <a:font script="Hang" typeface="맑은 고딕"/>
-        <a:font script="Hans" typeface="宋体"/>
-        <a:font script="Hant" typeface="新細明體"/>
-        <a:font script="Arab" typeface="Arial"/>
-        <a:font script="Hebr" typeface="Arial"/>
-        <a:font script="Thai" typeface="Cordia New"/>
-        <a:font script="Ethi" typeface="Nyala"/>
-        <a:font script="Beng" typeface="Vrinda"/>
-        <a:font script="Gujr" typeface="Shruti"/>
-        <a:font script="Khmr" typeface="DaunPenh"/>
-        <a:font script="Knda" typeface="Tunga"/>
-        <a:font script="Guru" typeface="Raavi"/>
-        <a:font script="Cans" typeface="Euphemia"/>
-        <a:font script="Cher" typeface="Plantagenet Cherokee"/>
-        <a:font script="Yiii" typeface="Microsoft Yi Baiti"/>
-        <a:font script="Tibt" typeface="Microsoft Himalaya"/>
-        <a:font script="Thaa" typeface="MV Boli"/>
-        <a:font script="Deva" typeface="Mangal"/>
-        <a:font script="Telu" typeface="Gautami"/>
-        <a:font script="Taml" typeface="Latha"/>
-        <a:font script="Syrc" typeface="Estrangelo Edessa"/>
-        <a:font script="Orya" typeface="Kalinga"/>
-        <a:font script="Mlym" typeface="Kartika"/>
-        <a:font script="Laoo" typeface="DokChampa"/>
-        <a:font script="Sinh" typeface="Iskoola Pota"/>
-        <a:font script="Mong" typeface="Mongolian Baiti"/>
-        <a:font script="Viet" typeface="Arial"/>
-        <a:font script="Uigh" typeface="Microsoft Uighur"/>
-        <a:font script="Geor" typeface="Sylfaen"/>
-      </a:minorFont>
-    </a:fontScheme>
-    <a:fmtScheme name="Office">
-      <a:fillStyleLst>
-        <a:solidFill>
-          <a:schemeClr val="phClr"/>
-        </a:solidFill>
-        <a:gradFill rotWithShape="1">
-          <a:gsLst>
-            <a:gs pos="0">
-              <a:schemeClr val="phClr">
-                <a:tint val="50000"/>
-                <a:satMod val="300000"/>
-              </a:schemeClr>
-            </a:gs>
-            <a:gs pos="35000">
-              <a:schemeClr val="phClr">
-                <a:tint val="37000"/>
-                <a:satMod val="300000"/>
-              </a:schemeClr>
-            </a:gs>
-            <a:gs pos="100000">
-              <a:schemeClr val="phClr">
-                <a:tint val="15000"/>
-                <a:satMod val="350000"/>
-              </a:schemeClr>
-            </a:gs>
-          </a:gsLst>
-          <a:lin ang="16200000" scaled="1"/>
-        </a:gradFill>
-        <a:gradFill rotWithShape="1">
-          <a:gsLst>
-            <a:gs pos="0">
-              <a:schemeClr val="phClr">
-                <a:tint val="100000"/>
-                <a:shade val="100000"/>
-                <a:satMod val="130000"/>
-              </a:schemeClr>
-            </a:gs>
-            <a:gs pos="100000">
-              <a:schemeClr val="phClr">
-                <a:tint val="50000"/>
-                <a:shade val="100000"/>
-                <a:satMod val="350000"/>
-              </a:schemeClr>
-            </a:gs>
-          </a:gsLst>
-          <a:lin ang="16200000" scaled="0"/>
-        </a:gradFill>
-      </a:fillStyleLst>
-      <a:lnStyleLst>
-        <a:ln w="9525" cap="flat" cmpd="sng" algn="ctr">
-          <a:solidFill>
-            <a:schemeClr val="phClr">
-              <a:shade val="95000"/>
-              <a:satMod val="105000"/>
-            </a:schemeClr>
-          </a:solidFill>
-          <a:prstDash val="solid"/>
-        </a:ln>
-        <a:ln w="25400" cap="flat" cmpd="sng" algn="ctr">
-          <a:solidFill>
-            <a:schemeClr val="phClr"/>
-          </a:solidFill>
-          <a:prstDash val="solid"/>
-        </a:ln>
-        <a:ln w="38100" cap="flat" cmpd="sng" algn="ctr">
-          <a:solidFill>
-            <a:schemeClr val="phClr"/>
-          </a:solidFill>
-          <a:prstDash val="solid"/>
-        </a:ln>
-      </a:lnStyleLst>
-      <a:effectStyleLst>
-        <a:effectStyle>
-          <a:effectLst>
-            <a:outerShdw blurRad="40000" dist="20000" dir="5400000" rotWithShape="0">
-              <a:srgbClr val="000000">
-                <a:alpha val="38000"/>
-              </a:srgbClr>
-            </a:outerShdw>
-          </a:effectLst>
-        </a:effectStyle>
-        <a:effectStyle>
-          <a:effectLst>
-            <a:outerShdw blurRad="40000" dist="23000" dir="5400000" rotWithShape="0">
-              <a:srgbClr val="000000">
-                <a:alpha val="35000"/>
-              </a:srgbClr>
-            </a:outerShdw>
-          </a:effectLst>
-        </a:effectStyle>
-        <a:effectStyle>
-          <a:effectLst>
-            <a:outerShdw blurRad="40000" dist="23000" dir="5400000" rotWithShape="0">
-              <a:srgbClr val="000000">
-                <a:alpha val="35000"/>
-              </a:srgbClr>
-            </a:outerShdw>
-          </a:effectLst>
-          <a:scene3d>
-            <a:camera prst="orthographicFront">
-              <a:rot lat="0" lon="0" rev="0"/>
-            </a:camera>
-            <a:lightRig rig="threePt" dir="t">
-              <a:rot lat="0" lon="0" rev="1200000"/>
-            </a:lightRig>
-          </a:scene3d>
-          <a:sp3d>
-            <a:bevelT w="63500" h="25400"/>
-          </a:sp3d>
-        </a:effectStyle>
-      </a:effectStyleLst>
-      <a:bgFillStyleLst>
-        <a:solidFill>
-          <a:schemeClr val="phClr"/>
-        </a:solidFill>
-        <a:gradFill rotWithShape="1">
-          <a:gsLst>
-            <a:gs pos="0">
-              <a:schemeClr val="phClr">
-                <a:tint val="40000"/>
-                <a:satMod val="350000"/>
-              </a:schemeClr>
-            </a:gs>
-            <a:gs pos="40000">
-              <a:schemeClr val="phClr">
-                <a:tint val="45000"/>
-                <a:shade val="99000"/>
-                <a:satMod val="350000"/>
-              </a:schemeClr>
-            </a:gs>
-            <a:gs pos="100000">
-              <a:schemeClr val="phClr">
-                <a:shade val="20000"/>
-                <a:satMod val="255000"/>
-              </a:schemeClr>
-            </a:gs>
-          </a:gsLst>
-          <a:path path="circle">
-            <a:fillToRect l="50000" t="-80000" r="50000" b="180000"/>
-          </a:path>
-        </a:gradFill>
-        <a:gradFill rotWithShape="1">
-          <a:gsLst>
-            <a:gs pos="0">
-              <a:schemeClr val="phClr">
-                <a:tint val="80000"/>
-                <a:satMod val="300000"/>
-              </a:schemeClr>
-            </a:gs>
-            <a:gs pos="100000">
-              <a:schemeClr val="phClr">
-                <a:shade val="30000"/>
-                <a:satMod val="200000"/>
-              </a:schemeClr>
-            </a:gs>
-          </a:gsLst>
-          <a:path path="circle">
-            <a:fillToRect l="50000" t="50000" r="50000" b="50000"/>
-          </a:path>
-        </a:gradFill>
-      </a:bgFillStyleLst>
-    </a:fmtScheme>
-  </a:themeElements>
-</a:theme>
 </file>
--- a/Cannabis_ Cash Crop or Crime Boom_.pptx
+++ b/Cannabis_ Cash Crop or Crime Boom_.pptx
@@ -14,8 +14,6 @@
     <p:sldId id="259" r:id="rId9"/>
     <p:sldId id="260" r:id="rId10"/>
     <p:sldId id="261" r:id="rId11"/>
-    <p:sldId id="262" r:id="rId12"/>
-    <p:sldId id="263" r:id="rId13"/>
   </p:sldIdLst>
   <p:sldSz cy="5143500" cx="9144000"/>
   <p:notesSz cx="6858000" cy="9144000"/>
@@ -795,7 +793,7 @@
   <p:cSld>
     <p:spTree>
       <p:nvGrpSpPr>
-        <p:cNvPr id="58" name="Shape 58"/>
+        <p:cNvPr id="59" name="Shape 59"/>
         <p:cNvGrpSpPr/>
         <p:nvPr/>
       </p:nvGrpSpPr>
@@ -809,7 +807,7 @@
       </p:grpSpPr>
       <p:sp>
         <p:nvSpPr>
-          <p:cNvPr id="59" name="Google Shape;59;g50f33f1a32_0_64:notes"/>
+          <p:cNvPr id="60" name="Google Shape;60;g50f33f1a32_0_64:notes"/>
           <p:cNvSpPr/>
           <p:nvPr>
             <p:ph idx="2" type="sldImg"/>
@@ -844,7 +842,7 @@
       </p:sp>
       <p:sp>
         <p:nvSpPr>
-          <p:cNvPr id="60" name="Google Shape;60;g50f33f1a32_0_64:notes"/>
+          <p:cNvPr id="61" name="Google Shape;61;g50f33f1a32_0_64:notes"/>
           <p:cNvSpPr txBox="1"/>
           <p:nvPr>
             <p:ph idx="1" type="body"/>
@@ -875,22 +873,6 @@
               <a:buNone/>
             </a:pPr>
             <a:r>
-              <a:rPr lang="en"/>
-              <a:t>After reading the article the first thought that came to mind was ‘Weed Pirates’, and dismissed it as propaganda to scare other states.</a:t>
-            </a:r>
-            <a:endParaRPr/>
-          </a:p>
-          <a:p>
-            <a:pPr indent="0" lvl="0" marL="0" rtl="0" algn="l">
-              <a:spcBef>
-                <a:spcPts val="0"/>
-              </a:spcBef>
-              <a:spcAft>
-                <a:spcPts val="0"/>
-              </a:spcAft>
-              <a:buNone/>
-            </a:pPr>
-            <a:r>
               <a:t/>
             </a:r>
             <a:endParaRPr/>
@@ -910,7 +892,7 @@
   <p:cSld>
     <p:spTree>
       <p:nvGrpSpPr>
-        <p:cNvPr id="67" name="Shape 67"/>
+        <p:cNvPr id="69" name="Shape 69"/>
         <p:cNvGrpSpPr/>
         <p:nvPr/>
       </p:nvGrpSpPr>
@@ -924,7 +906,7 @@
       </p:grpSpPr>
       <p:sp>
         <p:nvSpPr>
-          <p:cNvPr id="68" name="Google Shape;68;g50f33f1a32_0_868:notes"/>
+          <p:cNvPr id="70" name="Google Shape;70;g50f33f1a32_0_868:notes"/>
           <p:cNvSpPr/>
           <p:nvPr>
             <p:ph idx="2" type="sldImg"/>
@@ -959,7 +941,7 @@
       </p:sp>
       <p:sp>
         <p:nvSpPr>
-          <p:cNvPr id="69" name="Google Shape;69;g50f33f1a32_0_868:notes"/>
+          <p:cNvPr id="71" name="Google Shape;71;g50f33f1a32_0_868:notes"/>
           <p:cNvSpPr txBox="1"/>
           <p:nvPr>
             <p:ph idx="1" type="body"/>
@@ -1009,7 +991,7 @@
   <p:cSld>
     <p:spTree>
       <p:nvGrpSpPr>
-        <p:cNvPr id="74" name="Shape 74"/>
+        <p:cNvPr id="76" name="Shape 76"/>
         <p:cNvGrpSpPr/>
         <p:nvPr/>
       </p:nvGrpSpPr>
@@ -1023,7 +1005,7 @@
       </p:grpSpPr>
       <p:sp>
         <p:nvSpPr>
-          <p:cNvPr id="75" name="Google Shape;75;g50f33f1a32_0_49:notes"/>
+          <p:cNvPr id="77" name="Google Shape;77;g50f33f1a32_0_49:notes"/>
           <p:cNvSpPr/>
           <p:nvPr>
             <p:ph idx="2" type="sldImg"/>
@@ -1058,7 +1040,7 @@
       </p:sp>
       <p:sp>
         <p:nvSpPr>
-          <p:cNvPr id="76" name="Google Shape;76;g50f33f1a32_0_49:notes"/>
+          <p:cNvPr id="78" name="Google Shape;78;g50f33f1a32_0_49:notes"/>
           <p:cNvSpPr txBox="1"/>
           <p:nvPr>
             <p:ph idx="1" type="body"/>
@@ -1089,87 +1071,7 @@
               <a:buNone/>
             </a:pPr>
             <a:r>
-              <a:rPr lang="en"/>
-              <a:t>Pre - : You can see how murders basically line up</a:t>
-            </a:r>
-            <a:endParaRPr/>
-          </a:p>
-          <a:p>
-            <a:pPr indent="0" lvl="0" marL="0" rtl="0" algn="l">
-              <a:spcBef>
-                <a:spcPts val="0"/>
-              </a:spcBef>
-              <a:spcAft>
-                <a:spcPts val="0"/>
-              </a:spcAft>
-              <a:buNone/>
-            </a:pPr>
-            <a:r>
-              <a:rPr lang="en"/>
-              <a:t>	In 2010: while the trends veer off our math shows that this is not a statistically significant difference (z = -0.7303, p = -0.4654)</a:t>
-            </a:r>
-            <a:endParaRPr/>
-          </a:p>
-          <a:p>
-            <a:pPr indent="0" lvl="0" marL="0" rtl="0" algn="l">
-              <a:spcBef>
-                <a:spcPts val="0"/>
-              </a:spcBef>
-              <a:spcAft>
-                <a:spcPts val="0"/>
-              </a:spcAft>
-              <a:buNone/>
-            </a:pPr>
-            <a:r>
-              <a:rPr lang="en"/>
-              <a:t>Post- : After legalization we can see that our trends still line up.  We check 2014:</a:t>
-            </a:r>
-            <a:endParaRPr/>
-          </a:p>
-          <a:p>
-            <a:pPr indent="0" lvl="0" marL="0" rtl="0" algn="l">
-              <a:spcBef>
-                <a:spcPts val="0"/>
-              </a:spcBef>
-              <a:spcAft>
-                <a:spcPts val="0"/>
-              </a:spcAft>
-              <a:buNone/>
-            </a:pPr>
-            <a:r>
-              <a:rPr lang="en"/>
-              <a:t>	In 2014: trends move in the same direction, and there is not enough evidence for us to claim that they are truly different (z = -0.981, p = 0.327)</a:t>
-            </a:r>
-            <a:endParaRPr/>
-          </a:p>
-          <a:p>
-            <a:pPr indent="0" lvl="0" marL="0" rtl="0" algn="l">
-              <a:spcBef>
-                <a:spcPts val="0"/>
-              </a:spcBef>
-              <a:spcAft>
-                <a:spcPts val="0"/>
-              </a:spcAft>
-              <a:buNone/>
-            </a:pPr>
-            <a:r>
               <a:t/>
-            </a:r>
-            <a:endParaRPr/>
-          </a:p>
-          <a:p>
-            <a:pPr indent="0" lvl="0" marL="0" rtl="0" algn="l">
-              <a:spcBef>
-                <a:spcPts val="0"/>
-              </a:spcBef>
-              <a:spcAft>
-                <a:spcPts val="0"/>
-              </a:spcAft>
-              <a:buNone/>
-            </a:pPr>
-            <a:r>
-              <a:rPr lang="en"/>
-              <a:t>There is no evidence here that ‘Weed Pirates’ have increased the murder rate</a:t>
             </a:r>
             <a:endParaRPr/>
           </a:p>
@@ -1188,7 +1090,7 @@
   <p:cSld>
     <p:spTree>
       <p:nvGrpSpPr>
-        <p:cNvPr id="81" name="Shape 81"/>
+        <p:cNvPr id="84" name="Shape 84"/>
         <p:cNvGrpSpPr/>
         <p:nvPr/>
       </p:nvGrpSpPr>
@@ -1202,7 +1104,7 @@
       </p:grpSpPr>
       <p:sp>
         <p:nvSpPr>
-          <p:cNvPr id="82" name="Google Shape;82;g50f33f1a32_0_69:notes"/>
+          <p:cNvPr id="85" name="Google Shape;85;g50f33f1a32_0_969:notes"/>
           <p:cNvSpPr/>
           <p:nvPr>
             <p:ph idx="2" type="sldImg"/>
@@ -1237,7 +1139,7 @@
       </p:sp>
       <p:sp>
         <p:nvSpPr>
-          <p:cNvPr id="83" name="Google Shape;83;g50f33f1a32_0_69:notes"/>
+          <p:cNvPr id="86" name="Google Shape;86;g50f33f1a32_0_969:notes"/>
           <p:cNvSpPr txBox="1"/>
           <p:nvPr>
             <p:ph idx="1" type="body"/>
@@ -1268,40 +1170,7 @@
               <a:buNone/>
             </a:pPr>
             <a:r>
-              <a:rPr lang="en"/>
-              <a:t>2012: z = -10.8, p &lt; .00001. Significant difference</a:t>
-            </a:r>
-            <a:endParaRPr/>
-          </a:p>
-          <a:p>
-            <a:pPr indent="0" lvl="0" marL="0" rtl="0" algn="l">
-              <a:spcBef>
-                <a:spcPts val="0"/>
-              </a:spcBef>
-              <a:spcAft>
-                <a:spcPts val="0"/>
-              </a:spcAft>
-              <a:buNone/>
-            </a:pPr>
-            <a:r>
-              <a:rPr lang="en"/>
-              <a:t>2013: z = 4.36, p &lt; .00001. Significant difference</a:t>
-            </a:r>
-            <a:endParaRPr/>
-          </a:p>
-          <a:p>
-            <a:pPr indent="0" lvl="0" marL="0" rtl="0" algn="l">
-              <a:spcBef>
-                <a:spcPts val="0"/>
-              </a:spcBef>
-              <a:spcAft>
-                <a:spcPts val="0"/>
-              </a:spcAft>
-              <a:buNone/>
-            </a:pPr>
-            <a:r>
-              <a:rPr lang="en"/>
-              <a:t>2014: z = 3.04, p = .00236. Significant difference</a:t>
+              <a:t/>
             </a:r>
             <a:endParaRPr/>
           </a:p>
@@ -1320,7 +1189,7 @@
   <p:cSld>
     <p:spTree>
       <p:nvGrpSpPr>
-        <p:cNvPr id="88" name="Shape 88"/>
+        <p:cNvPr id="92" name="Shape 92"/>
         <p:cNvGrpSpPr/>
         <p:nvPr/>
       </p:nvGrpSpPr>
@@ -1334,7 +1203,7 @@
       </p:grpSpPr>
       <p:sp>
         <p:nvSpPr>
-          <p:cNvPr id="89" name="Google Shape;89;g50f33f1a32_0_54:notes"/>
+          <p:cNvPr id="93" name="Google Shape;93;g50f33f1a32_0_873:notes"/>
           <p:cNvSpPr/>
           <p:nvPr>
             <p:ph idx="2" type="sldImg"/>
@@ -1369,222 +1238,7 @@
       </p:sp>
       <p:sp>
         <p:nvSpPr>
-          <p:cNvPr id="90" name="Google Shape;90;g50f33f1a32_0_54:notes"/>
-          <p:cNvSpPr txBox="1"/>
-          <p:nvPr>
-            <p:ph idx="1" type="body"/>
-          </p:nvPr>
-        </p:nvSpPr>
-        <p:spPr>
-          <a:xfrm>
-            <a:off x="685800" y="4343400"/>
-            <a:ext cx="5486400" cy="4114800"/>
-          </a:xfrm>
-          <a:prstGeom prst="rect">
-            <a:avLst/>
-          </a:prstGeom>
-        </p:spPr>
-        <p:txBody>
-          <a:bodyPr anchorCtr="0" anchor="t" bIns="91425" lIns="91425" spcFirstLastPara="1" rIns="91425" wrap="square" tIns="91425">
-            <a:noAutofit/>
-          </a:bodyPr>
-          <a:lstStyle/>
-          <a:p>
-            <a:pPr indent="0" lvl="0" marL="0" rtl="0" algn="l">
-              <a:spcBef>
-                <a:spcPts val="0"/>
-              </a:spcBef>
-              <a:spcAft>
-                <a:spcPts val="0"/>
-              </a:spcAft>
-              <a:buNone/>
-            </a:pPr>
-            <a:r>
-              <a:rPr lang="en"/>
-              <a:t>Sea 2012 - 2013: z = -1.97, p= 0.0488</a:t>
-            </a:r>
-            <a:endParaRPr/>
-          </a:p>
-          <a:p>
-            <a:pPr indent="0" lvl="0" marL="0" rtl="0" algn="l">
-              <a:spcBef>
-                <a:spcPts val="0"/>
-              </a:spcBef>
-              <a:spcAft>
-                <a:spcPts val="0"/>
-              </a:spcAft>
-              <a:buNone/>
-            </a:pPr>
-            <a:r>
-              <a:t/>
-            </a:r>
-            <a:endParaRPr/>
-          </a:p>
-        </p:txBody>
-      </p:sp>
-    </p:spTree>
-  </p:cSld>
-  <p:clrMapOvr>
-    <a:masterClrMapping/>
-  </p:clrMapOvr>
-</p:notes>
-</file>
-
-<file path=ppt/notesSlides/notesSlide7.xml><?xml version="1.0" encoding="utf-8"?>
-<p:notes xmlns:a="http://schemas.openxmlformats.org/drawingml/2006/main" xmlns:r="http://schemas.openxmlformats.org/officeDocument/2006/relationships" xmlns:mc="http://schemas.openxmlformats.org/markup-compatibility/2006" xmlns:mv="urn:schemas-microsoft-com:mac:vml" xmlns:p="http://schemas.openxmlformats.org/presentationml/2006/main" xmlns:c="http://schemas.openxmlformats.org/drawingml/2006/chart" xmlns:dgm="http://schemas.openxmlformats.org/drawingml/2006/diagram" xmlns:o="urn:schemas-microsoft-com:office:office" xmlns:v="urn:schemas-microsoft-com:vml" xmlns:pvml="urn:schemas-microsoft-com:office:powerpoint" xmlns:com="http://schemas.openxmlformats.org/drawingml/2006/compatibility" xmlns:p14="http://schemas.microsoft.com/office/powerpoint/2010/main" xmlns:p15="http://schemas.microsoft.com/office/powerpoint/2012/main" showMasterPhAnim="0" showMasterSp="0">
-  <p:cSld>
-    <p:spTree>
-      <p:nvGrpSpPr>
-        <p:cNvPr id="95" name="Shape 95"/>
-        <p:cNvGrpSpPr/>
-        <p:nvPr/>
-      </p:nvGrpSpPr>
-      <p:grpSpPr>
-        <a:xfrm>
-          <a:off x="0" y="0"/>
-          <a:ext cx="0" cy="0"/>
-          <a:chOff x="0" y="0"/>
-          <a:chExt cx="0" cy="0"/>
-        </a:xfrm>
-      </p:grpSpPr>
-      <p:sp>
-        <p:nvSpPr>
-          <p:cNvPr id="96" name="Google Shape;96;g50f33f1a32_0_59:notes"/>
-          <p:cNvSpPr/>
-          <p:nvPr>
-            <p:ph idx="2" type="sldImg"/>
-          </p:nvPr>
-        </p:nvSpPr>
-        <p:spPr>
-          <a:xfrm>
-            <a:off x="381300" y="685800"/>
-            <a:ext cx="6096000" cy="3429000"/>
-          </a:xfrm>
-          <a:custGeom>
-            <a:rect b="b" l="l" r="r" t="t"/>
-            <a:pathLst>
-              <a:path extrusionOk="0" h="120000" w="120000">
-                <a:moveTo>
-                  <a:pt x="0" y="0"/>
-                </a:moveTo>
-                <a:lnTo>
-                  <a:pt x="120000" y="0"/>
-                </a:lnTo>
-                <a:lnTo>
-                  <a:pt x="120000" y="120000"/>
-                </a:lnTo>
-                <a:lnTo>
-                  <a:pt x="0" y="120000"/>
-                </a:lnTo>
-                <a:close/>
-              </a:path>
-            </a:pathLst>
-          </a:custGeom>
-        </p:spPr>
-      </p:sp>
-      <p:sp>
-        <p:nvSpPr>
-          <p:cNvPr id="97" name="Google Shape;97;g50f33f1a32_0_59:notes"/>
-          <p:cNvSpPr txBox="1"/>
-          <p:nvPr>
-            <p:ph idx="1" type="body"/>
-          </p:nvPr>
-        </p:nvSpPr>
-        <p:spPr>
-          <a:xfrm>
-            <a:off x="685800" y="4343400"/>
-            <a:ext cx="5486400" cy="4114800"/>
-          </a:xfrm>
-          <a:prstGeom prst="rect">
-            <a:avLst/>
-          </a:prstGeom>
-        </p:spPr>
-        <p:txBody>
-          <a:bodyPr anchorCtr="0" anchor="t" bIns="91425" lIns="91425" spcFirstLastPara="1" rIns="91425" wrap="square" tIns="91425">
-            <a:noAutofit/>
-          </a:bodyPr>
-          <a:lstStyle/>
-          <a:p>
-            <a:pPr indent="0" lvl="0" marL="0" rtl="0" algn="l">
-              <a:spcBef>
-                <a:spcPts val="0"/>
-              </a:spcBef>
-              <a:spcAft>
-                <a:spcPts val="0"/>
-              </a:spcAft>
-              <a:buNone/>
-            </a:pPr>
-            <a:r>
-              <a:rPr lang="en"/>
-              <a:t>Sea Robb 12-13: z = -0.953, p=.342</a:t>
-            </a:r>
-            <a:endParaRPr/>
-          </a:p>
-        </p:txBody>
-      </p:sp>
-    </p:spTree>
-  </p:cSld>
-  <p:clrMapOvr>
-    <a:masterClrMapping/>
-  </p:clrMapOvr>
-</p:notes>
-</file>
-
-<file path=ppt/notesSlides/notesSlide8.xml><?xml version="1.0" encoding="utf-8"?>
-<p:notes xmlns:a="http://schemas.openxmlformats.org/drawingml/2006/main" xmlns:r="http://schemas.openxmlformats.org/officeDocument/2006/relationships" xmlns:mc="http://schemas.openxmlformats.org/markup-compatibility/2006" xmlns:mv="urn:schemas-microsoft-com:mac:vml" xmlns:p="http://schemas.openxmlformats.org/presentationml/2006/main" xmlns:c="http://schemas.openxmlformats.org/drawingml/2006/chart" xmlns:dgm="http://schemas.openxmlformats.org/drawingml/2006/diagram" xmlns:o="urn:schemas-microsoft-com:office:office" xmlns:v="urn:schemas-microsoft-com:vml" xmlns:pvml="urn:schemas-microsoft-com:office:powerpoint" xmlns:com="http://schemas.openxmlformats.org/drawingml/2006/compatibility" xmlns:p14="http://schemas.microsoft.com/office/powerpoint/2010/main" xmlns:p15="http://schemas.microsoft.com/office/powerpoint/2012/main" showMasterPhAnim="0" showMasterSp="0">
-  <p:cSld>
-    <p:spTree>
-      <p:nvGrpSpPr>
-        <p:cNvPr id="102" name="Shape 102"/>
-        <p:cNvGrpSpPr/>
-        <p:nvPr/>
-      </p:nvGrpSpPr>
-      <p:grpSpPr>
-        <a:xfrm>
-          <a:off x="0" y="0"/>
-          <a:ext cx="0" cy="0"/>
-          <a:chOff x="0" y="0"/>
-          <a:chExt cx="0" cy="0"/>
-        </a:xfrm>
-      </p:grpSpPr>
-      <p:sp>
-        <p:nvSpPr>
-          <p:cNvPr id="103" name="Google Shape;103;g50f33f1a32_0_873:notes"/>
-          <p:cNvSpPr/>
-          <p:nvPr>
-            <p:ph idx="2" type="sldImg"/>
-          </p:nvPr>
-        </p:nvSpPr>
-        <p:spPr>
-          <a:xfrm>
-            <a:off x="381300" y="685800"/>
-            <a:ext cx="6096000" cy="3429000"/>
-          </a:xfrm>
-          <a:custGeom>
-            <a:rect b="b" l="l" r="r" t="t"/>
-            <a:pathLst>
-              <a:path extrusionOk="0" h="120000" w="120000">
-                <a:moveTo>
-                  <a:pt x="0" y="0"/>
-                </a:moveTo>
-                <a:lnTo>
-                  <a:pt x="120000" y="0"/>
-                </a:lnTo>
-                <a:lnTo>
-                  <a:pt x="120000" y="120000"/>
-                </a:lnTo>
-                <a:lnTo>
-                  <a:pt x="0" y="120000"/>
-                </a:lnTo>
-                <a:close/>
-              </a:path>
-            </a:pathLst>
-          </a:custGeom>
-        </p:spPr>
-      </p:sp>
-      <p:sp>
-        <p:nvSpPr>
-          <p:cNvPr id="104" name="Google Shape;104;g50f33f1a32_0_873:notes"/>
+          <p:cNvPr id="94" name="Google Shape;94;g50f33f1a32_0_873:notes"/>
           <p:cNvSpPr txBox="1"/>
           <p:nvPr>
             <p:ph idx="1" type="body"/>
@@ -6255,9 +5909,37 @@
           <a:chExt cx="0" cy="0"/>
         </a:xfrm>
       </p:grpSpPr>
+      <p:pic>
+        <p:nvPicPr>
+          <p:cNvPr id="54" name="Google Shape;54;p13"/>
+          <p:cNvPicPr preferRelativeResize="0"/>
+          <p:nvPr/>
+        </p:nvPicPr>
+        <p:blipFill>
+          <a:blip r:embed="rId3">
+            <a:alphaModFix amt="78000"/>
+          </a:blip>
+          <a:stretch>
+            <a:fillRect/>
+          </a:stretch>
+        </p:blipFill>
+        <p:spPr>
+          <a:xfrm>
+            <a:off x="0" y="0"/>
+            <a:ext cx="9144001" cy="5174200"/>
+          </a:xfrm>
+          <a:prstGeom prst="rect">
+            <a:avLst/>
+          </a:prstGeom>
+          <a:noFill/>
+          <a:ln>
+            <a:noFill/>
+          </a:ln>
+        </p:spPr>
+      </p:pic>
       <p:sp>
         <p:nvSpPr>
-          <p:cNvPr id="54" name="Google Shape;54;p13"/>
+          <p:cNvPr id="55" name="Google Shape;55;p13"/>
           <p:cNvSpPr txBox="1"/>
           <p:nvPr>
             <p:ph type="ctrTitle"/>
@@ -6265,8 +5947,8 @@
         </p:nvSpPr>
         <p:spPr>
           <a:xfrm>
-            <a:off x="311708" y="744575"/>
-            <a:ext cx="8520600" cy="2052600"/>
+            <a:off x="311700" y="298150"/>
+            <a:ext cx="8520600" cy="1705200"/>
           </a:xfrm>
           <a:prstGeom prst="rect">
             <a:avLst/>
@@ -6297,7 +5979,7 @@
       </p:sp>
       <p:sp>
         <p:nvSpPr>
-          <p:cNvPr id="55" name="Google Shape;55;p13"/>
+          <p:cNvPr id="56" name="Google Shape;56;p13"/>
           <p:cNvSpPr txBox="1"/>
           <p:nvPr>
             <p:ph idx="1" type="subTitle"/>
@@ -6305,8 +5987,8 @@
         </p:nvSpPr>
         <p:spPr>
           <a:xfrm>
-            <a:off x="311700" y="2834125"/>
-            <a:ext cx="8520600" cy="1629000"/>
+            <a:off x="311700" y="2207825"/>
+            <a:ext cx="8520600" cy="1116000"/>
           </a:xfrm>
           <a:prstGeom prst="rect">
             <a:avLst/>
@@ -6328,10 +6010,18 @@
               <a:buNone/>
             </a:pPr>
             <a:r>
-              <a:rPr lang="en"/>
+              <a:rPr lang="en">
+                <a:solidFill>
+                  <a:srgbClr val="000000"/>
+                </a:solidFill>
+              </a:rPr>
               <a:t>Alexander Fong</a:t>
             </a:r>
-            <a:endParaRPr/>
+            <a:endParaRPr>
+              <a:solidFill>
+                <a:srgbClr val="000000"/>
+              </a:solidFill>
+            </a:endParaRPr>
           </a:p>
           <a:p>
             <a:pPr indent="0" lvl="0" marL="0" rtl="0" algn="ctr">
@@ -6344,21 +6034,29 @@
               <a:buNone/>
             </a:pPr>
             <a:r>
-              <a:rPr lang="en"/>
+              <a:rPr lang="en">
+                <a:solidFill>
+                  <a:srgbClr val="000000"/>
+                </a:solidFill>
+              </a:rPr>
               <a:t>GitHub: WhimsicalNose03</a:t>
             </a:r>
-            <a:endParaRPr/>
+            <a:endParaRPr>
+              <a:solidFill>
+                <a:srgbClr val="000000"/>
+              </a:solidFill>
+            </a:endParaRPr>
           </a:p>
         </p:txBody>
       </p:sp>
       <p:pic>
         <p:nvPicPr>
-          <p:cNvPr id="56" name="Google Shape;56;p13"/>
+          <p:cNvPr id="57" name="Google Shape;57;p13"/>
           <p:cNvPicPr preferRelativeResize="0"/>
           <p:nvPr/>
         </p:nvPicPr>
         <p:blipFill rotWithShape="1">
-          <a:blip r:embed="rId3">
+          <a:blip r:embed="rId4">
             <a:alphaModFix/>
           </a:blip>
           <a:srcRect b="8939" l="7559" r="6441" t="5105"/>
@@ -6366,7 +6064,7 @@
         </p:blipFill>
         <p:spPr>
           <a:xfrm>
-            <a:off x="450925" y="3528225"/>
+            <a:off x="7569025" y="2157450"/>
             <a:ext cx="1263280" cy="1318775"/>
           </a:xfrm>
           <a:prstGeom prst="rect">
@@ -6380,12 +6078,12 @@
       </p:pic>
       <p:pic>
         <p:nvPicPr>
-          <p:cNvPr id="57" name="Google Shape;57;p13"/>
+          <p:cNvPr id="58" name="Google Shape;58;p13"/>
           <p:cNvPicPr preferRelativeResize="0"/>
           <p:nvPr/>
         </p:nvPicPr>
         <p:blipFill rotWithShape="1">
-          <a:blip r:embed="rId3">
+          <a:blip r:embed="rId4">
             <a:alphaModFix/>
           </a:blip>
           <a:srcRect b="8939" l="7559" r="6441" t="5105"/>
@@ -6393,7 +6091,7 @@
         </p:blipFill>
         <p:spPr>
           <a:xfrm>
-            <a:off x="7339575" y="3528225"/>
+            <a:off x="311700" y="2157450"/>
             <a:ext cx="1263280" cy="1318775"/>
           </a:xfrm>
           <a:prstGeom prst="rect">
@@ -6418,7 +6116,7 @@
   <p:cSld>
     <p:spTree>
       <p:nvGrpSpPr>
-        <p:cNvPr id="61" name="Shape 61"/>
+        <p:cNvPr id="62" name="Shape 62"/>
         <p:cNvGrpSpPr/>
         <p:nvPr/>
       </p:nvGrpSpPr>
@@ -6430,9 +6128,37 @@
           <a:chExt cx="0" cy="0"/>
         </a:xfrm>
       </p:grpSpPr>
+      <p:pic>
+        <p:nvPicPr>
+          <p:cNvPr id="63" name="Google Shape;63;p14"/>
+          <p:cNvPicPr preferRelativeResize="0"/>
+          <p:nvPr/>
+        </p:nvPicPr>
+        <p:blipFill>
+          <a:blip r:embed="rId3">
+            <a:alphaModFix/>
+          </a:blip>
+          <a:stretch>
+            <a:fillRect/>
+          </a:stretch>
+        </p:blipFill>
+        <p:spPr>
+          <a:xfrm>
+            <a:off x="0" y="0"/>
+            <a:ext cx="9144001" cy="5174200"/>
+          </a:xfrm>
+          <a:prstGeom prst="rect">
+            <a:avLst/>
+          </a:prstGeom>
+          <a:noFill/>
+          <a:ln>
+            <a:noFill/>
+          </a:ln>
+        </p:spPr>
+      </p:pic>
       <p:sp>
         <p:nvSpPr>
-          <p:cNvPr id="62" name="Google Shape;62;p14"/>
+          <p:cNvPr id="64" name="Google Shape;64;p14"/>
           <p:cNvSpPr txBox="1"/>
           <p:nvPr>
             <p:ph type="title"/>
@@ -6472,7 +6198,7 @@
       </p:sp>
       <p:sp>
         <p:nvSpPr>
-          <p:cNvPr id="63" name="Google Shape;63;p14"/>
+          <p:cNvPr id="65" name="Google Shape;65;p14"/>
           <p:cNvSpPr txBox="1"/>
           <p:nvPr>
             <p:ph idx="1" type="body"/>
@@ -6500,14 +6226,90 @@
               <a:spcAft>
                 <a:spcPts val="0"/>
               </a:spcAft>
+              <a:buClr>
+                <a:srgbClr val="000000"/>
+              </a:buClr>
               <a:buSzPts val="1800"/>
               <a:buChar char="●"/>
             </a:pPr>
             <a:r>
-              <a:rPr lang="en"/>
-              <a:t>My project inspiration came from an article on Forbes claiming that “violent crime” has been on the rise in California since legalizing Cannabis in 2018.  The words painted a picture of “Weed Pirates”, criminals who would come across state lines, snatch up all the Marijuana they could get their hands on, and return home to sell.</a:t>
+              <a:rPr lang="en">
+                <a:solidFill>
+                  <a:srgbClr val="000000"/>
+                </a:solidFill>
+              </a:rPr>
+              <a:t>Inspiration: </a:t>
             </a:r>
-            <a:endParaRPr/>
+            <a:r>
+              <a:rPr lang="en" u="sng">
+                <a:solidFill>
+                  <a:schemeClr val="hlink"/>
+                </a:solidFill>
+                <a:hlinkClick r:id="rId4"/>
+              </a:rPr>
+              <a:t>https://bit.ly/2U9Wxii</a:t>
+            </a:r>
+            <a:endParaRPr>
+              <a:solidFill>
+                <a:srgbClr val="000000"/>
+              </a:solidFill>
+            </a:endParaRPr>
+          </a:p>
+          <a:p>
+            <a:pPr indent="-342900" lvl="0" marL="457200" rtl="0" algn="l">
+              <a:spcBef>
+                <a:spcPts val="0"/>
+              </a:spcBef>
+              <a:spcAft>
+                <a:spcPts val="0"/>
+              </a:spcAft>
+              <a:buClr>
+                <a:srgbClr val="000000"/>
+              </a:buClr>
+              <a:buSzPts val="1800"/>
+              <a:buChar char="●"/>
+            </a:pPr>
+            <a:r>
+              <a:rPr lang="en">
+                <a:solidFill>
+                  <a:srgbClr val="000000"/>
+                </a:solidFill>
+              </a:rPr>
+              <a:t>Article alleges increased violent crime rates surrounding the legalization of Cannabis</a:t>
+            </a:r>
+            <a:endParaRPr>
+              <a:solidFill>
+                <a:srgbClr val="000000"/>
+              </a:solidFill>
+            </a:endParaRPr>
+          </a:p>
+          <a:p>
+            <a:pPr indent="-342900" lvl="0" marL="457200" rtl="0" algn="l">
+              <a:spcBef>
+                <a:spcPts val="0"/>
+              </a:spcBef>
+              <a:spcAft>
+                <a:spcPts val="0"/>
+              </a:spcAft>
+              <a:buClr>
+                <a:srgbClr val="000000"/>
+              </a:buClr>
+              <a:buSzPts val="1800"/>
+              <a:buChar char="●"/>
+            </a:pPr>
+            <a:r>
+              <a:rPr lang="en">
+                <a:solidFill>
+                  <a:srgbClr val="000000"/>
+                </a:solidFill>
+              </a:rPr>
+              <a:t>Weed Pirates???</a:t>
+            </a:r>
+            <a:endParaRPr>
+              <a:solidFill>
+                <a:srgbClr val="000000"/>
+              </a:solidFill>
+            </a:endParaRPr>
           </a:p>
           <a:p>
             <a:pPr indent="0" lvl="0" marL="457200" marR="0" rtl="0" algn="l">
@@ -6525,27 +6327,57 @@
             <a:r>
               <a:t/>
             </a:r>
-            <a:endParaRPr/>
+            <a:endParaRPr>
+              <a:solidFill>
+                <a:srgbClr val="000000"/>
+              </a:solidFill>
+            </a:endParaRPr>
           </a:p>
         </p:txBody>
       </p:sp>
       <p:pic>
         <p:nvPicPr>
-          <p:cNvPr id="64" name="Google Shape;64;p14"/>
+          <p:cNvPr id="66" name="Google Shape;66;p14"/>
           <p:cNvPicPr preferRelativeResize="0"/>
           <p:nvPr/>
         </p:nvPicPr>
-        <p:blipFill>
-          <a:blip r:embed="rId3">
+        <p:blipFill rotWithShape="1">
+          <a:blip r:embed="rId5">
             <a:alphaModFix/>
           </a:blip>
-          <a:stretch>
-            <a:fillRect/>
-          </a:stretch>
+          <a:srcRect b="4867" l="5213" r="0" t="1350"/>
+          <a:stretch/>
         </p:blipFill>
         <p:spPr>
           <a:xfrm>
-            <a:off x="3140988" y="3046738"/>
+            <a:off x="569250" y="3031075"/>
+            <a:ext cx="2571750" cy="1743075"/>
+          </a:xfrm>
+          <a:prstGeom prst="rect">
+            <a:avLst/>
+          </a:prstGeom>
+          <a:noFill/>
+          <a:ln>
+            <a:noFill/>
+          </a:ln>
+        </p:spPr>
+      </p:pic>
+      <p:pic>
+        <p:nvPicPr>
+          <p:cNvPr id="67" name="Google Shape;67;p14"/>
+          <p:cNvPicPr preferRelativeResize="0"/>
+          <p:nvPr/>
+        </p:nvPicPr>
+        <p:blipFill rotWithShape="1">
+          <a:blip r:embed="rId5">
+            <a:alphaModFix/>
+          </a:blip>
+          <a:srcRect b="4867" l="5195" r="0" t="1350"/>
+          <a:stretch/>
+        </p:blipFill>
+        <p:spPr>
+          <a:xfrm>
+            <a:off x="5712750" y="3031075"/>
             <a:ext cx="2619375" cy="1743075"/>
           </a:xfrm>
           <a:prstGeom prst="rect">
@@ -6559,48 +6391,21 @@
       </p:pic>
       <p:pic>
         <p:nvPicPr>
-          <p:cNvPr id="65" name="Google Shape;65;p14"/>
+          <p:cNvPr id="68" name="Google Shape;68;p14"/>
           <p:cNvPicPr preferRelativeResize="0"/>
           <p:nvPr/>
         </p:nvPicPr>
         <p:blipFill rotWithShape="1">
-          <a:blip r:embed="rId4">
+          <a:blip r:embed="rId6">
             <a:alphaModFix/>
           </a:blip>
-          <a:srcRect b="4867" l="3456" r="0" t="1350"/>
+          <a:srcRect b="0" l="0" r="1816" t="0"/>
           <a:stretch/>
         </p:blipFill>
         <p:spPr>
           <a:xfrm>
-            <a:off x="521625" y="3062425"/>
-            <a:ext cx="2619375" cy="1711720"/>
-          </a:xfrm>
-          <a:prstGeom prst="rect">
-            <a:avLst/>
-          </a:prstGeom>
-          <a:noFill/>
-          <a:ln>
-            <a:noFill/>
-          </a:ln>
-        </p:spPr>
-      </p:pic>
-      <p:pic>
-        <p:nvPicPr>
-          <p:cNvPr id="66" name="Google Shape;66;p14"/>
-          <p:cNvPicPr preferRelativeResize="0"/>
-          <p:nvPr/>
-        </p:nvPicPr>
-        <p:blipFill rotWithShape="1">
-          <a:blip r:embed="rId4">
-            <a:alphaModFix/>
-          </a:blip>
-          <a:srcRect b="4867" l="3456" r="0" t="1350"/>
-          <a:stretch/>
-        </p:blipFill>
-        <p:spPr>
-          <a:xfrm>
-            <a:off x="5760375" y="3046750"/>
-            <a:ext cx="2667354" cy="1743075"/>
+            <a:off x="3141000" y="3031075"/>
+            <a:ext cx="2571750" cy="1743075"/>
           </a:xfrm>
           <a:prstGeom prst="rect">
             <a:avLst/>
@@ -6616,6 +6421,159 @@
   <p:clrMapOvr>
     <a:masterClrMapping/>
   </p:clrMapOvr>
+  <p:timing>
+    <p:tnLst>
+      <p:par>
+        <p:cTn dur="indefinite" nodeType="tmRoot" restart="never">
+          <p:childTnLst>
+            <p:seq concurrent="1" nextAc="seek">
+              <p:cTn dur="indefinite" id="2" nodeType="mainSeq">
+                <p:childTnLst>
+                  <p:par>
+                    <p:cTn fill="hold">
+                      <p:stCondLst>
+                        <p:cond delay="indefinite"/>
+                      </p:stCondLst>
+                      <p:childTnLst>
+                        <p:par>
+                          <p:cTn fill="hold">
+                            <p:stCondLst>
+                              <p:cond delay="0"/>
+                            </p:stCondLst>
+                            <p:childTnLst>
+                              <p:par>
+                                <p:cTn fill="hold" nodeType="clickEffect" presetClass="entr" presetID="10" presetSubtype="0">
+                                  <p:stCondLst>
+                                    <p:cond delay="0"/>
+                                  </p:stCondLst>
+                                  <p:childTnLst>
+                                    <p:set>
+                                      <p:cBhvr>
+                                        <p:cTn dur="1" fill="hold">
+                                          <p:stCondLst>
+                                            <p:cond delay="0"/>
+                                          </p:stCondLst>
+                                        </p:cTn>
+                                        <p:tgtEl>
+                                          <p:spTgt spid="68"/>
+                                        </p:tgtEl>
+                                        <p:attrNameLst>
+                                          <p:attrName>style.visibility</p:attrName>
+                                        </p:attrNameLst>
+                                      </p:cBhvr>
+                                      <p:to>
+                                        <p:strVal val="visible"/>
+                                      </p:to>
+                                    </p:set>
+                                    <p:animEffect filter="fade" transition="in">
+                                      <p:cBhvr>
+                                        <p:cTn dur="1000"/>
+                                        <p:tgtEl>
+                                          <p:spTgt spid="68"/>
+                                        </p:tgtEl>
+                                      </p:cBhvr>
+                                    </p:animEffect>
+                                  </p:childTnLst>
+                                </p:cTn>
+                              </p:par>
+                              <p:par>
+                                <p:cTn fill="hold" nodeType="withEffect" presetClass="entr" presetID="10" presetSubtype="0">
+                                  <p:stCondLst>
+                                    <p:cond delay="0"/>
+                                  </p:stCondLst>
+                                  <p:childTnLst>
+                                    <p:set>
+                                      <p:cBhvr>
+                                        <p:cTn dur="1" fill="hold">
+                                          <p:stCondLst>
+                                            <p:cond delay="0"/>
+                                          </p:stCondLst>
+                                        </p:cTn>
+                                        <p:tgtEl>
+                                          <p:spTgt spid="67"/>
+                                        </p:tgtEl>
+                                        <p:attrNameLst>
+                                          <p:attrName>style.visibility</p:attrName>
+                                        </p:attrNameLst>
+                                      </p:cBhvr>
+                                      <p:to>
+                                        <p:strVal val="visible"/>
+                                      </p:to>
+                                    </p:set>
+                                    <p:animEffect filter="fade" transition="in">
+                                      <p:cBhvr>
+                                        <p:cTn dur="1000"/>
+                                        <p:tgtEl>
+                                          <p:spTgt spid="67"/>
+                                        </p:tgtEl>
+                                      </p:cBhvr>
+                                    </p:animEffect>
+                                  </p:childTnLst>
+                                </p:cTn>
+                              </p:par>
+                              <p:par>
+                                <p:cTn fill="hold" nodeType="withEffect" presetClass="entr" presetID="10" presetSubtype="0">
+                                  <p:stCondLst>
+                                    <p:cond delay="0"/>
+                                  </p:stCondLst>
+                                  <p:childTnLst>
+                                    <p:set>
+                                      <p:cBhvr>
+                                        <p:cTn dur="1" fill="hold">
+                                          <p:stCondLst>
+                                            <p:cond delay="0"/>
+                                          </p:stCondLst>
+                                        </p:cTn>
+                                        <p:tgtEl>
+                                          <p:spTgt spid="66"/>
+                                        </p:tgtEl>
+                                        <p:attrNameLst>
+                                          <p:attrName>style.visibility</p:attrName>
+                                        </p:attrNameLst>
+                                      </p:cBhvr>
+                                      <p:to>
+                                        <p:strVal val="visible"/>
+                                      </p:to>
+                                    </p:set>
+                                    <p:animEffect filter="fade" transition="in">
+                                      <p:cBhvr>
+                                        <p:cTn dur="1000"/>
+                                        <p:tgtEl>
+                                          <p:spTgt spid="66"/>
+                                        </p:tgtEl>
+                                      </p:cBhvr>
+                                    </p:animEffect>
+                                  </p:childTnLst>
+                                </p:cTn>
+                              </p:par>
+                            </p:childTnLst>
+                          </p:cTn>
+                        </p:par>
+                      </p:childTnLst>
+                    </p:cTn>
+                  </p:par>
+                </p:childTnLst>
+              </p:cTn>
+              <p:prevCondLst>
+                <p:cond evt="onPrev">
+                  <p:tgtEl>
+                    <p:sldTgt/>
+                  </p:tgtEl>
+                </p:cond>
+              </p:prevCondLst>
+              <p:nextCondLst>
+                <p:cond evt="onNext">
+                  <p:tgtEl>
+                    <p:sldTgt/>
+                  </p:tgtEl>
+                </p:cond>
+              </p:nextCondLst>
+            </p:seq>
+          </p:childTnLst>
+        </p:cTn>
+      </p:par>
+    </p:tnLst>
+  </p:timing>
 </p:sld>
 </file>
 
@@ -6624,7 +6582,7 @@
   <p:cSld>
     <p:spTree>
       <p:nvGrpSpPr>
-        <p:cNvPr id="70" name="Shape 70"/>
+        <p:cNvPr id="72" name="Shape 72"/>
         <p:cNvGrpSpPr/>
         <p:nvPr/>
       </p:nvGrpSpPr>
@@ -6636,9 +6594,37 @@
           <a:chExt cx="0" cy="0"/>
         </a:xfrm>
       </p:grpSpPr>
+      <p:pic>
+        <p:nvPicPr>
+          <p:cNvPr id="73" name="Google Shape;73;p15"/>
+          <p:cNvPicPr preferRelativeResize="0"/>
+          <p:nvPr/>
+        </p:nvPicPr>
+        <p:blipFill>
+          <a:blip r:embed="rId3">
+            <a:alphaModFix/>
+          </a:blip>
+          <a:stretch>
+            <a:fillRect/>
+          </a:stretch>
+        </p:blipFill>
+        <p:spPr>
+          <a:xfrm>
+            <a:off x="0" y="9"/>
+            <a:ext cx="9144001" cy="5143500"/>
+          </a:xfrm>
+          <a:prstGeom prst="rect">
+            <a:avLst/>
+          </a:prstGeom>
+          <a:noFill/>
+          <a:ln>
+            <a:noFill/>
+          </a:ln>
+        </p:spPr>
+      </p:pic>
       <p:sp>
         <p:nvSpPr>
-          <p:cNvPr id="71" name="Google Shape;71;p15"/>
+          <p:cNvPr id="74" name="Google Shape;74;p15"/>
           <p:cNvSpPr txBox="1"/>
           <p:nvPr>
             <p:ph type="title"/>
@@ -6678,7 +6664,7 @@
       </p:sp>
       <p:sp>
         <p:nvSpPr>
-          <p:cNvPr id="72" name="Google Shape;72;p15"/>
+          <p:cNvPr id="75" name="Google Shape;75;p15"/>
           <p:cNvSpPr txBox="1"/>
           <p:nvPr>
             <p:ph idx="1" type="body"/>
@@ -6706,14 +6692,33 @@
               <a:spcAft>
                 <a:spcPts val="0"/>
               </a:spcAft>
+              <a:buClr>
+                <a:srgbClr val="000000"/>
+              </a:buClr>
               <a:buSzPts val="1800"/>
               <a:buChar char="●"/>
             </a:pPr>
             <a:r>
-              <a:rPr lang="en"/>
-              <a:t>Data Collection: Collected data on Seattle and several cities I thought would serve as good controls.  Only Portland ended up being viable.</a:t>
+              <a:rPr lang="en">
+                <a:solidFill>
+                  <a:srgbClr val="000000"/>
+                </a:solidFill>
+              </a:rPr>
+              <a:t>Data Collection: </a:t>
             </a:r>
-            <a:endParaRPr/>
+            <a:r>
+              <a:rPr lang="en">
+                <a:solidFill>
+                  <a:srgbClr val="000000"/>
+                </a:solidFill>
+              </a:rPr>
+              <a:t>Collected data from several cities with varying degrees of legality</a:t>
+            </a:r>
+            <a:endParaRPr>
+              <a:solidFill>
+                <a:srgbClr val="000000"/>
+              </a:solidFill>
+            </a:endParaRPr>
           </a:p>
           <a:p>
             <a:pPr indent="-342900" lvl="0" marL="457200" rtl="0" algn="l">
@@ -6723,14 +6728,33 @@
               <a:spcAft>
                 <a:spcPts val="0"/>
               </a:spcAft>
+              <a:buClr>
+                <a:srgbClr val="000000"/>
+              </a:buClr>
               <a:buSzPts val="1800"/>
               <a:buChar char="●"/>
             </a:pPr>
             <a:r>
-              <a:rPr lang="en"/>
-              <a:t>Data Cleaning and Visualization: Every city has a different protocol for data entry.  Once cleaned, I had to check each proposed control group for viability.</a:t>
+              <a:rPr lang="en">
+                <a:solidFill>
+                  <a:srgbClr val="000000"/>
+                </a:solidFill>
+              </a:rPr>
+              <a:t>Data Cleaning and Visualization</a:t>
             </a:r>
-            <a:endParaRPr/>
+            <a:r>
+              <a:rPr lang="en">
+                <a:solidFill>
+                  <a:srgbClr val="000000"/>
+                </a:solidFill>
+              </a:rPr>
+              <a:t>: Read data into Pandas and visualize with MatPlotLib</a:t>
+            </a:r>
+            <a:endParaRPr>
+              <a:solidFill>
+                <a:srgbClr val="000000"/>
+              </a:solidFill>
+            </a:endParaRPr>
           </a:p>
           <a:p>
             <a:pPr indent="-342900" lvl="0" marL="457200" rtl="0" algn="l">
@@ -6740,14 +6764,25 @@
               <a:spcAft>
                 <a:spcPts val="0"/>
               </a:spcAft>
+              <a:buClr>
+                <a:srgbClr val="000000"/>
+              </a:buClr>
               <a:buSzPts val="1800"/>
               <a:buChar char="●"/>
             </a:pPr>
             <a:r>
-              <a:rPr lang="en"/>
-              <a:t>Hypothesis testing: Once a control was established, I ran a series of hypothesis tests for types of crime associated with piracy with 𝛼 = 0.05:</a:t>
+              <a:rPr lang="en">
+                <a:solidFill>
+                  <a:srgbClr val="000000"/>
+                </a:solidFill>
+              </a:rPr>
+              <a:t>Hypothesis testing: </a:t>
             </a:r>
-            <a:endParaRPr/>
+            <a:endParaRPr>
+              <a:solidFill>
+                <a:srgbClr val="000000"/>
+              </a:solidFill>
+            </a:endParaRPr>
           </a:p>
           <a:p>
             <a:pPr indent="-317500" lvl="1" marL="914400" rtl="0" algn="l">
@@ -6757,14 +6792,25 @@
               <a:spcAft>
                 <a:spcPts val="0"/>
               </a:spcAft>
+              <a:buClr>
+                <a:srgbClr val="000000"/>
+              </a:buClr>
               <a:buSzPts val="1400"/>
               <a:buChar char="○"/>
             </a:pPr>
             <a:r>
-              <a:rPr lang="en"/>
-              <a:t>H(null): There is no significant change in these crime rates coinciding with the legalization of Cannabis</a:t>
+              <a:rPr lang="en">
+                <a:solidFill>
+                  <a:srgbClr val="000000"/>
+                </a:solidFill>
+              </a:rPr>
+              <a:t>𝛼 = 0.05:</a:t>
             </a:r>
-            <a:endParaRPr/>
+            <a:endParaRPr>
+              <a:solidFill>
+                <a:srgbClr val="000000"/>
+              </a:solidFill>
+            </a:endParaRPr>
           </a:p>
           <a:p>
             <a:pPr indent="-317500" lvl="1" marL="914400" rtl="0" algn="l">
@@ -6774,14 +6820,53 @@
               <a:spcAft>
                 <a:spcPts val="0"/>
               </a:spcAft>
+              <a:buClr>
+                <a:srgbClr val="000000"/>
+              </a:buClr>
               <a:buSzPts val="1400"/>
               <a:buChar char="○"/>
             </a:pPr>
             <a:r>
-              <a:rPr lang="en"/>
+              <a:rPr lang="en">
+                <a:solidFill>
+                  <a:srgbClr val="000000"/>
+                </a:solidFill>
+              </a:rPr>
+              <a:t>H(null): There is no significant change in these crime rates coinciding with the legalization of Cannabis</a:t>
+            </a:r>
+            <a:endParaRPr>
+              <a:solidFill>
+                <a:srgbClr val="000000"/>
+              </a:solidFill>
+            </a:endParaRPr>
+          </a:p>
+          <a:p>
+            <a:pPr indent="-317500" lvl="1" marL="914400" rtl="0" algn="l">
+              <a:spcBef>
+                <a:spcPts val="0"/>
+              </a:spcBef>
+              <a:spcAft>
+                <a:spcPts val="0"/>
+              </a:spcAft>
+              <a:buClr>
+                <a:srgbClr val="000000"/>
+              </a:buClr>
+              <a:buSzPts val="1400"/>
+              <a:buChar char="○"/>
+            </a:pPr>
+            <a:r>
+              <a:rPr lang="en">
+                <a:solidFill>
+                  <a:srgbClr val="000000"/>
+                </a:solidFill>
+              </a:rPr>
               <a:t>H(alt): There is a significant change in crime rates coinciding with the legalization of Cannabis</a:t>
             </a:r>
-            <a:endParaRPr/>
+            <a:endParaRPr>
+              <a:solidFill>
+                <a:srgbClr val="000000"/>
+              </a:solidFill>
+            </a:endParaRPr>
           </a:p>
           <a:p>
             <a:pPr indent="0" lvl="0" marL="457200" rtl="0" algn="l">
@@ -6796,37 +6881,14 @@
             <a:r>
               <a:t/>
             </a:r>
-            <a:endParaRPr/>
+            <a:endParaRPr>
+              <a:solidFill>
+                <a:srgbClr val="000000"/>
+              </a:solidFill>
+            </a:endParaRPr>
           </a:p>
         </p:txBody>
       </p:sp>
-      <p:pic>
-        <p:nvPicPr>
-          <p:cNvPr id="73" name="Google Shape;73;p15"/>
-          <p:cNvPicPr preferRelativeResize="0"/>
-          <p:nvPr/>
-        </p:nvPicPr>
-        <p:blipFill rotWithShape="1">
-          <a:blip r:embed="rId3">
-            <a:alphaModFix/>
-          </a:blip>
-          <a:srcRect b="0" l="0" r="0" t="70655"/>
-          <a:stretch/>
-        </p:blipFill>
-        <p:spPr>
-          <a:xfrm>
-            <a:off x="311700" y="3961500"/>
-            <a:ext cx="8520600" cy="981075"/>
-          </a:xfrm>
-          <a:prstGeom prst="rect">
-            <a:avLst/>
-          </a:prstGeom>
-          <a:noFill/>
-          <a:ln>
-            <a:noFill/>
-          </a:ln>
-        </p:spPr>
-      </p:pic>
     </p:spTree>
   </p:cSld>
   <p:clrMapOvr>
@@ -6840,7 +6902,7 @@
   <p:cSld>
     <p:spTree>
       <p:nvGrpSpPr>
-        <p:cNvPr id="77" name="Shape 77"/>
+        <p:cNvPr id="79" name="Shape 79"/>
         <p:cNvGrpSpPr/>
         <p:nvPr/>
       </p:nvGrpSpPr>
@@ -6852,9 +6914,37 @@
           <a:chExt cx="0" cy="0"/>
         </a:xfrm>
       </p:grpSpPr>
+      <p:pic>
+        <p:nvPicPr>
+          <p:cNvPr id="80" name="Google Shape;80;p16"/>
+          <p:cNvPicPr preferRelativeResize="0"/>
+          <p:nvPr/>
+        </p:nvPicPr>
+        <p:blipFill>
+          <a:blip r:embed="rId3">
+            <a:alphaModFix/>
+          </a:blip>
+          <a:stretch>
+            <a:fillRect/>
+          </a:stretch>
+        </p:blipFill>
+        <p:spPr>
+          <a:xfrm>
+            <a:off x="0" y="9"/>
+            <a:ext cx="9144001" cy="5143500"/>
+          </a:xfrm>
+          <a:prstGeom prst="rect">
+            <a:avLst/>
+          </a:prstGeom>
+          <a:noFill/>
+          <a:ln>
+            <a:noFill/>
+          </a:ln>
+        </p:spPr>
+      </p:pic>
       <p:sp>
         <p:nvSpPr>
-          <p:cNvPr id="78" name="Google Shape;78;p16"/>
+          <p:cNvPr id="81" name="Google Shape;81;p16"/>
           <p:cNvSpPr txBox="1"/>
           <p:nvPr>
             <p:ph type="title"/>
@@ -6886,65 +6976,7 @@
             </a:pPr>
             <a:r>
               <a:rPr lang="en"/>
-              <a:t>Homicide</a:t>
-            </a:r>
-            <a:endParaRPr/>
-          </a:p>
-        </p:txBody>
-      </p:sp>
-      <p:sp>
-        <p:nvSpPr>
-          <p:cNvPr id="79" name="Google Shape;79;p16"/>
-          <p:cNvSpPr txBox="1"/>
-          <p:nvPr>
-            <p:ph idx="1" type="body"/>
-          </p:nvPr>
-        </p:nvSpPr>
-        <p:spPr>
-          <a:xfrm>
-            <a:off x="311700" y="1152475"/>
-            <a:ext cx="4091700" cy="3416400"/>
-          </a:xfrm>
-          <a:prstGeom prst="rect">
-            <a:avLst/>
-          </a:prstGeom>
-        </p:spPr>
-        <p:txBody>
-          <a:bodyPr anchorCtr="0" anchor="t" bIns="91425" lIns="91425" spcFirstLastPara="1" rIns="91425" wrap="square" tIns="91425">
-            <a:noAutofit/>
-          </a:bodyPr>
-          <a:lstStyle/>
-          <a:p>
-            <a:pPr indent="-342900" lvl="0" marL="457200" rtl="0" algn="l">
-              <a:spcBef>
-                <a:spcPts val="0"/>
-              </a:spcBef>
-              <a:spcAft>
-                <a:spcPts val="0"/>
-              </a:spcAft>
-              <a:buSzPts val="1800"/>
-              <a:buChar char="●"/>
-            </a:pPr>
-            <a:r>
-              <a:rPr lang="en"/>
-              <a:t>There is a visual spike in Seattles Homicide rate in 2012, however this result is not statistically significant.</a:t>
-            </a:r>
-            <a:endParaRPr/>
-          </a:p>
-          <a:p>
-            <a:pPr indent="-342900" lvl="0" marL="457200" rtl="0" algn="l">
-              <a:spcBef>
-                <a:spcPts val="0"/>
-              </a:spcBef>
-              <a:spcAft>
-                <a:spcPts val="0"/>
-              </a:spcAft>
-              <a:buSzPts val="1800"/>
-              <a:buChar char="●"/>
-            </a:pPr>
-            <a:r>
-              <a:rPr lang="en"/>
-              <a:t>We observe the same change in 2014 when Portland legalized, but again this is not statistically significant.</a:t>
+              <a:t>Homicide and Theft</a:t>
             </a:r>
             <a:endParaRPr/>
           </a:p>
@@ -6952,12 +6984,12 @@
       </p:sp>
       <p:pic>
         <p:nvPicPr>
-          <p:cNvPr id="80" name="Google Shape;80;p16"/>
+          <p:cNvPr id="82" name="Google Shape;82;p16"/>
           <p:cNvPicPr preferRelativeResize="0"/>
           <p:nvPr/>
         </p:nvPicPr>
         <p:blipFill>
-          <a:blip r:embed="rId3">
+          <a:blip r:embed="rId4">
             <a:alphaModFix/>
           </a:blip>
           <a:stretch>
@@ -6966,8 +6998,36 @@
         </p:blipFill>
         <p:spPr>
           <a:xfrm>
-            <a:off x="4572000" y="1160000"/>
-            <a:ext cx="4260300" cy="3073002"/>
+            <a:off x="102725" y="1134325"/>
+            <a:ext cx="4365192" cy="3206500"/>
+          </a:xfrm>
+          <a:prstGeom prst="rect">
+            <a:avLst/>
+          </a:prstGeom>
+          <a:noFill/>
+          <a:ln>
+            <a:noFill/>
+          </a:ln>
+        </p:spPr>
+      </p:pic>
+      <p:pic>
+        <p:nvPicPr>
+          <p:cNvPr id="83" name="Google Shape;83;p16"/>
+          <p:cNvPicPr preferRelativeResize="0"/>
+          <p:nvPr/>
+        </p:nvPicPr>
+        <p:blipFill>
+          <a:blip r:embed="rId5">
+            <a:alphaModFix/>
+          </a:blip>
+          <a:stretch>
+            <a:fillRect/>
+          </a:stretch>
+        </p:blipFill>
+        <p:spPr>
+          <a:xfrm>
+            <a:off x="4363025" y="1107275"/>
+            <a:ext cx="4703350" cy="3233550"/>
           </a:xfrm>
           <a:prstGeom prst="rect">
             <a:avLst/>
@@ -6991,7 +7051,7 @@
   <p:cSld>
     <p:spTree>
       <p:nvGrpSpPr>
-        <p:cNvPr id="84" name="Shape 84"/>
+        <p:cNvPr id="87" name="Shape 87"/>
         <p:cNvGrpSpPr/>
         <p:nvPr/>
       </p:nvGrpSpPr>
@@ -7003,9 +7063,37 @@
           <a:chExt cx="0" cy="0"/>
         </a:xfrm>
       </p:grpSpPr>
+      <p:pic>
+        <p:nvPicPr>
+          <p:cNvPr id="88" name="Google Shape;88;p17"/>
+          <p:cNvPicPr preferRelativeResize="0"/>
+          <p:nvPr/>
+        </p:nvPicPr>
+        <p:blipFill>
+          <a:blip r:embed="rId3">
+            <a:alphaModFix/>
+          </a:blip>
+          <a:stretch>
+            <a:fillRect/>
+          </a:stretch>
+        </p:blipFill>
+        <p:spPr>
+          <a:xfrm>
+            <a:off x="0" y="9"/>
+            <a:ext cx="9144001" cy="5143500"/>
+          </a:xfrm>
+          <a:prstGeom prst="rect">
+            <a:avLst/>
+          </a:prstGeom>
+          <a:noFill/>
+          <a:ln>
+            <a:noFill/>
+          </a:ln>
+        </p:spPr>
+      </p:pic>
       <p:sp>
         <p:nvSpPr>
-          <p:cNvPr id="85" name="Google Shape;85;p17"/>
+          <p:cNvPr id="89" name="Google Shape;89;p17"/>
           <p:cNvSpPr txBox="1"/>
           <p:nvPr>
             <p:ph type="title"/>
@@ -7037,82 +7125,7 @@
             </a:pPr>
             <a:r>
               <a:rPr lang="en"/>
-              <a:t>Thefts</a:t>
-            </a:r>
-            <a:endParaRPr/>
-          </a:p>
-        </p:txBody>
-      </p:sp>
-      <p:sp>
-        <p:nvSpPr>
-          <p:cNvPr id="86" name="Google Shape;86;p17"/>
-          <p:cNvSpPr txBox="1"/>
-          <p:nvPr>
-            <p:ph idx="1" type="body"/>
-          </p:nvPr>
-        </p:nvSpPr>
-        <p:spPr>
-          <a:xfrm>
-            <a:off x="311700" y="1152475"/>
-            <a:ext cx="4260300" cy="3416400"/>
-          </a:xfrm>
-          <a:prstGeom prst="rect">
-            <a:avLst/>
-          </a:prstGeom>
-        </p:spPr>
-        <p:txBody>
-          <a:bodyPr anchorCtr="0" anchor="t" bIns="91425" lIns="91425" spcFirstLastPara="1" rIns="91425" wrap="square" tIns="91425">
-            <a:noAutofit/>
-          </a:bodyPr>
-          <a:lstStyle/>
-          <a:p>
-            <a:pPr indent="-342900" lvl="0" marL="457200" rtl="0" algn="l">
-              <a:spcBef>
-                <a:spcPts val="0"/>
-              </a:spcBef>
-              <a:spcAft>
-                <a:spcPts val="0"/>
-              </a:spcAft>
-              <a:buSzPts val="1800"/>
-              <a:buChar char="●"/>
-            </a:pPr>
-            <a:r>
-              <a:rPr lang="en"/>
-              <a:t>There is a significant increase in Thefts in Seattle in the years following legalization</a:t>
-            </a:r>
-            <a:endParaRPr/>
-          </a:p>
-          <a:p>
-            <a:pPr indent="-342900" lvl="0" marL="457200" rtl="0" algn="l">
-              <a:spcBef>
-                <a:spcPts val="0"/>
-              </a:spcBef>
-              <a:spcAft>
-                <a:spcPts val="0"/>
-              </a:spcAft>
-              <a:buSzPts val="1800"/>
-              <a:buChar char="●"/>
-            </a:pPr>
-            <a:r>
-              <a:rPr lang="en"/>
-              <a:t>However, we see the opposite in Portland </a:t>
-            </a:r>
-            <a:endParaRPr/>
-          </a:p>
-          <a:p>
-            <a:pPr indent="-342900" lvl="0" marL="457200" rtl="0" algn="l">
-              <a:spcBef>
-                <a:spcPts val="0"/>
-              </a:spcBef>
-              <a:spcAft>
-                <a:spcPts val="0"/>
-              </a:spcAft>
-              <a:buSzPts val="1800"/>
-              <a:buChar char="●"/>
-            </a:pPr>
-            <a:r>
-              <a:rPr lang="en"/>
-              <a:t>This could indicate a different regional effect impacting thefts between 2012 and 2014.</a:t>
+              <a:t>Burglary and Robbery</a:t>
             </a:r>
             <a:endParaRPr/>
           </a:p>
@@ -7120,12 +7133,12 @@
       </p:sp>
       <p:pic>
         <p:nvPicPr>
-          <p:cNvPr id="87" name="Google Shape;87;p17"/>
+          <p:cNvPr id="90" name="Google Shape;90;p17"/>
           <p:cNvPicPr preferRelativeResize="0"/>
           <p:nvPr/>
         </p:nvPicPr>
         <p:blipFill>
-          <a:blip r:embed="rId3">
+          <a:blip r:embed="rId4">
             <a:alphaModFix/>
           </a:blip>
           <a:stretch>
@@ -7134,8 +7147,36 @@
         </p:blipFill>
         <p:spPr>
           <a:xfrm>
-            <a:off x="4572000" y="1314450"/>
-            <a:ext cx="4260300" cy="2928957"/>
+            <a:off x="0" y="1113950"/>
+            <a:ext cx="4572000" cy="3143250"/>
+          </a:xfrm>
+          <a:prstGeom prst="rect">
+            <a:avLst/>
+          </a:prstGeom>
+          <a:noFill/>
+          <a:ln>
+            <a:noFill/>
+          </a:ln>
+        </p:spPr>
+      </p:pic>
+      <p:pic>
+        <p:nvPicPr>
+          <p:cNvPr id="91" name="Google Shape;91;p17"/>
+          <p:cNvPicPr preferRelativeResize="0"/>
+          <p:nvPr/>
+        </p:nvPicPr>
+        <p:blipFill>
+          <a:blip r:embed="rId5">
+            <a:alphaModFix/>
+          </a:blip>
+          <a:stretch>
+            <a:fillRect/>
+          </a:stretch>
+        </p:blipFill>
+        <p:spPr>
+          <a:xfrm>
+            <a:off x="4572000" y="1089000"/>
+            <a:ext cx="4572000" cy="3193143"/>
           </a:xfrm>
           <a:prstGeom prst="rect">
             <a:avLst/>
@@ -7159,7 +7200,7 @@
   <p:cSld>
     <p:spTree>
       <p:nvGrpSpPr>
-        <p:cNvPr id="91" name="Shape 91"/>
+        <p:cNvPr id="95" name="Shape 95"/>
         <p:cNvGrpSpPr/>
         <p:nvPr/>
       </p:nvGrpSpPr>
@@ -7171,107 +7212,9 @@
           <a:chExt cx="0" cy="0"/>
         </a:xfrm>
       </p:grpSpPr>
-      <p:sp>
-        <p:nvSpPr>
-          <p:cNvPr id="92" name="Google Shape;92;p18"/>
-          <p:cNvSpPr txBox="1"/>
-          <p:nvPr>
-            <p:ph type="title"/>
-          </p:nvPr>
-        </p:nvSpPr>
-        <p:spPr>
-          <a:xfrm>
-            <a:off x="311700" y="445025"/>
-            <a:ext cx="8520600" cy="572700"/>
-          </a:xfrm>
-          <a:prstGeom prst="rect">
-            <a:avLst/>
-          </a:prstGeom>
-        </p:spPr>
-        <p:txBody>
-          <a:bodyPr anchorCtr="0" anchor="t" bIns="91425" lIns="91425" spcFirstLastPara="1" rIns="91425" wrap="square" tIns="91425">
-            <a:noAutofit/>
-          </a:bodyPr>
-          <a:lstStyle/>
-          <a:p>
-            <a:pPr indent="0" lvl="0" marL="0" rtl="0" algn="ctr">
-              <a:spcBef>
-                <a:spcPts val="0"/>
-              </a:spcBef>
-              <a:spcAft>
-                <a:spcPts val="0"/>
-              </a:spcAft>
-              <a:buNone/>
-            </a:pPr>
-            <a:r>
-              <a:rPr lang="en"/>
-              <a:t>Burglary</a:t>
-            </a:r>
-            <a:endParaRPr/>
-          </a:p>
-        </p:txBody>
-      </p:sp>
-      <p:sp>
-        <p:nvSpPr>
-          <p:cNvPr id="93" name="Google Shape;93;p18"/>
-          <p:cNvSpPr txBox="1"/>
-          <p:nvPr>
-            <p:ph idx="1" type="body"/>
-          </p:nvPr>
-        </p:nvSpPr>
-        <p:spPr>
-          <a:xfrm>
-            <a:off x="311700" y="1152475"/>
-            <a:ext cx="4260300" cy="3416400"/>
-          </a:xfrm>
-          <a:prstGeom prst="rect">
-            <a:avLst/>
-          </a:prstGeom>
-        </p:spPr>
-        <p:txBody>
-          <a:bodyPr anchorCtr="0" anchor="t" bIns="91425" lIns="91425" spcFirstLastPara="1" rIns="91425" wrap="square" tIns="91425">
-            <a:noAutofit/>
-          </a:bodyPr>
-          <a:lstStyle/>
-          <a:p>
-            <a:pPr indent="-342900" lvl="0" marL="457200" rtl="0" algn="l">
-              <a:spcBef>
-                <a:spcPts val="0"/>
-              </a:spcBef>
-              <a:spcAft>
-                <a:spcPts val="0"/>
-              </a:spcAft>
-              <a:buSzPts val="1800"/>
-              <a:buChar char="●"/>
-            </a:pPr>
-            <a:r>
-              <a:rPr lang="en"/>
-              <a:t>One could argue that Seattle experiences a rise in Burglary we do not see that trend continue.</a:t>
-            </a:r>
-            <a:endParaRPr/>
-          </a:p>
-          <a:p>
-            <a:pPr indent="-342900" lvl="0" marL="457200" rtl="0" algn="l">
-              <a:spcBef>
-                <a:spcPts val="0"/>
-              </a:spcBef>
-              <a:spcAft>
-                <a:spcPts val="0"/>
-              </a:spcAft>
-              <a:buSzPts val="1800"/>
-              <a:buChar char="●"/>
-            </a:pPr>
-            <a:r>
-              <a:rPr lang="en"/>
-              <a:t>Furthermore we do not observe the same kind of spike in Portland</a:t>
-            </a:r>
-            <a:endParaRPr/>
-          </a:p>
-        </p:txBody>
-      </p:sp>
       <p:pic>
         <p:nvPicPr>
-          <p:cNvPr id="94" name="Google Shape;94;p18"/>
+          <p:cNvPr id="96" name="Google Shape;96;p18"/>
           <p:cNvPicPr preferRelativeResize="0"/>
           <p:nvPr/>
         </p:nvPicPr>
@@ -7285,8 +7228,8 @@
         </p:blipFill>
         <p:spPr>
           <a:xfrm>
-            <a:off x="4572000" y="1152475"/>
-            <a:ext cx="4572000" cy="3143250"/>
+            <a:off x="0" y="9"/>
+            <a:ext cx="9144001" cy="5143500"/>
           </a:xfrm>
           <a:prstGeom prst="rect">
             <a:avLst/>
@@ -7297,147 +7240,23 @@
           </a:ln>
         </p:spPr>
       </p:pic>
-    </p:spTree>
-  </p:cSld>
-  <p:clrMapOvr>
-    <a:masterClrMapping/>
-  </p:clrMapOvr>
-</p:sld>
-</file>
-
-<file path=ppt/slides/slide7.xml><?xml version="1.0" encoding="utf-8"?>
-<p:sld xmlns:a="http://schemas.openxmlformats.org/drawingml/2006/main" xmlns:r="http://schemas.openxmlformats.org/officeDocument/2006/relationships" xmlns:mc="http://schemas.openxmlformats.org/markup-compatibility/2006" xmlns:mv="urn:schemas-microsoft-com:mac:vml" xmlns:p="http://schemas.openxmlformats.org/presentationml/2006/main" xmlns:c="http://schemas.openxmlformats.org/drawingml/2006/chart" xmlns:dgm="http://schemas.openxmlformats.org/drawingml/2006/diagram" xmlns:o="urn:schemas-microsoft-com:office:office" xmlns:v="urn:schemas-microsoft-com:vml" xmlns:pvml="urn:schemas-microsoft-com:office:powerpoint" xmlns:com="http://schemas.openxmlformats.org/drawingml/2006/compatibility" xmlns:p14="http://schemas.microsoft.com/office/powerpoint/2010/main" xmlns:p15="http://schemas.microsoft.com/office/powerpoint/2012/main">
-  <p:cSld>
-    <p:spTree>
-      <p:nvGrpSpPr>
-        <p:cNvPr id="98" name="Shape 98"/>
-        <p:cNvGrpSpPr/>
-        <p:nvPr/>
-      </p:nvGrpSpPr>
-      <p:grpSpPr>
-        <a:xfrm>
-          <a:off x="0" y="0"/>
-          <a:ext cx="0" cy="0"/>
-          <a:chOff x="0" y="0"/>
-          <a:chExt cx="0" cy="0"/>
-        </a:xfrm>
-      </p:grpSpPr>
-      <p:sp>
-        <p:nvSpPr>
-          <p:cNvPr id="99" name="Google Shape;99;p19"/>
-          <p:cNvSpPr txBox="1"/>
-          <p:nvPr>
-            <p:ph type="title"/>
-          </p:nvPr>
-        </p:nvSpPr>
-        <p:spPr>
-          <a:xfrm>
-            <a:off x="311700" y="445025"/>
-            <a:ext cx="8520600" cy="572700"/>
-          </a:xfrm>
-          <a:prstGeom prst="rect">
-            <a:avLst/>
-          </a:prstGeom>
-        </p:spPr>
-        <p:txBody>
-          <a:bodyPr anchorCtr="0" anchor="t" bIns="91425" lIns="91425" spcFirstLastPara="1" rIns="91425" wrap="square" tIns="91425">
-            <a:noAutofit/>
-          </a:bodyPr>
-          <a:lstStyle/>
-          <a:p>
-            <a:pPr indent="0" lvl="0" marL="0" rtl="0" algn="ctr">
-              <a:spcBef>
-                <a:spcPts val="0"/>
-              </a:spcBef>
-              <a:spcAft>
-                <a:spcPts val="0"/>
-              </a:spcAft>
-              <a:buNone/>
-            </a:pPr>
-            <a:r>
-              <a:rPr lang="en"/>
-              <a:t>Robbery</a:t>
-            </a:r>
-            <a:endParaRPr/>
-          </a:p>
-        </p:txBody>
-      </p:sp>
-      <p:sp>
-        <p:nvSpPr>
-          <p:cNvPr id="100" name="Google Shape;100;p19"/>
-          <p:cNvSpPr txBox="1"/>
-          <p:nvPr>
-            <p:ph idx="1" type="body"/>
-          </p:nvPr>
-        </p:nvSpPr>
-        <p:spPr>
-          <a:xfrm>
-            <a:off x="311700" y="1152475"/>
-            <a:ext cx="4260300" cy="3416400"/>
-          </a:xfrm>
-          <a:prstGeom prst="rect">
-            <a:avLst/>
-          </a:prstGeom>
-        </p:spPr>
-        <p:txBody>
-          <a:bodyPr anchorCtr="0" anchor="t" bIns="91425" lIns="91425" spcFirstLastPara="1" rIns="91425" wrap="square" tIns="91425">
-            <a:noAutofit/>
-          </a:bodyPr>
-          <a:lstStyle/>
-          <a:p>
-            <a:pPr indent="-342900" lvl="0" marL="457200" rtl="0" algn="l">
-              <a:spcBef>
-                <a:spcPts val="0"/>
-              </a:spcBef>
-              <a:spcAft>
-                <a:spcPts val="0"/>
-              </a:spcAft>
-              <a:buSzPts val="1800"/>
-              <a:buChar char="●"/>
-            </a:pPr>
-            <a:r>
-              <a:rPr lang="en"/>
-              <a:t>While there is a visual increase in robberies in Seattle after legalization, this rise is not statistically significant.</a:t>
-            </a:r>
-            <a:endParaRPr/>
-          </a:p>
-          <a:p>
-            <a:pPr indent="-342900" lvl="0" marL="457200" rtl="0" algn="l">
-              <a:spcBef>
-                <a:spcPts val="0"/>
-              </a:spcBef>
-              <a:spcAft>
-                <a:spcPts val="0"/>
-              </a:spcAft>
-              <a:buSzPts val="1800"/>
-              <a:buChar char="●"/>
-            </a:pPr>
-            <a:r>
-              <a:rPr lang="en"/>
-              <a:t>The same can be said of Portland following their legalization event.</a:t>
-            </a:r>
-            <a:endParaRPr/>
-          </a:p>
-        </p:txBody>
-      </p:sp>
       <p:pic>
         <p:nvPicPr>
-          <p:cNvPr id="101" name="Google Shape;101;p19"/>
+          <p:cNvPr id="97" name="Google Shape;97;p18"/>
           <p:cNvPicPr preferRelativeResize="0"/>
           <p:nvPr/>
         </p:nvPicPr>
-        <p:blipFill>
-          <a:blip r:embed="rId3">
-            <a:alphaModFix/>
+        <p:blipFill rotWithShape="1">
+          <a:blip r:embed="rId4">
+            <a:alphaModFix amt="64000"/>
           </a:blip>
-          <a:stretch>
-            <a:fillRect/>
-          </a:stretch>
+          <a:srcRect b="39601" l="8382" r="8952" t="41167"/>
+          <a:stretch/>
         </p:blipFill>
         <p:spPr>
           <a:xfrm>
-            <a:off x="4572000" y="1152475"/>
-            <a:ext cx="4572000" cy="3193143"/>
+            <a:off x="1232900" y="3904175"/>
+            <a:ext cx="6658400" cy="1143000"/>
           </a:xfrm>
           <a:prstGeom prst="rect">
             <a:avLst/>
@@ -7448,78 +7267,9 @@
           </a:ln>
         </p:spPr>
       </p:pic>
-    </p:spTree>
-  </p:cSld>
-  <p:clrMapOvr>
-    <a:masterClrMapping/>
-  </p:clrMapOvr>
-</p:sld>
-</file>
-
-<file path=ppt/slides/slide8.xml><?xml version="1.0" encoding="utf-8"?>
-<p:sld xmlns:a="http://schemas.openxmlformats.org/drawingml/2006/main" xmlns:r="http://schemas.openxmlformats.org/officeDocument/2006/relationships" xmlns:mc="http://schemas.openxmlformats.org/markup-compatibility/2006" xmlns:mv="urn:schemas-microsoft-com:mac:vml" xmlns:p="http://schemas.openxmlformats.org/presentationml/2006/main" xmlns:c="http://schemas.openxmlformats.org/drawingml/2006/chart" xmlns:dgm="http://schemas.openxmlformats.org/drawingml/2006/diagram" xmlns:o="urn:schemas-microsoft-com:office:office" xmlns:v="urn:schemas-microsoft-com:vml" xmlns:pvml="urn:schemas-microsoft-com:office:powerpoint" xmlns:com="http://schemas.openxmlformats.org/drawingml/2006/compatibility" xmlns:p14="http://schemas.microsoft.com/office/powerpoint/2010/main" xmlns:p15="http://schemas.microsoft.com/office/powerpoint/2012/main">
-  <p:cSld>
-    <p:spTree>
-      <p:nvGrpSpPr>
-        <p:cNvPr id="105" name="Shape 105"/>
-        <p:cNvGrpSpPr/>
-        <p:nvPr/>
-      </p:nvGrpSpPr>
-      <p:grpSpPr>
-        <a:xfrm>
-          <a:off x="0" y="0"/>
-          <a:ext cx="0" cy="0"/>
-          <a:chOff x="0" y="0"/>
-          <a:chExt cx="0" cy="0"/>
-        </a:xfrm>
-      </p:grpSpPr>
       <p:sp>
         <p:nvSpPr>
-          <p:cNvPr id="106" name="Google Shape;106;p20"/>
-          <p:cNvSpPr txBox="1"/>
-          <p:nvPr>
-            <p:ph type="title"/>
-          </p:nvPr>
-        </p:nvSpPr>
-        <p:spPr>
-          <a:xfrm>
-            <a:off x="311700" y="445025"/>
-            <a:ext cx="8520600" cy="572700"/>
-          </a:xfrm>
-          <a:prstGeom prst="rect">
-            <a:avLst/>
-          </a:prstGeom>
-        </p:spPr>
-        <p:txBody>
-          <a:bodyPr anchorCtr="0" anchor="t" bIns="91425" lIns="91425" spcFirstLastPara="1" rIns="91425" wrap="square" tIns="91425">
-            <a:noAutofit/>
-          </a:bodyPr>
-          <a:lstStyle/>
-          <a:p>
-            <a:pPr indent="0" lvl="0" marL="0" rtl="0" algn="ctr">
-              <a:spcBef>
-                <a:spcPts val="0"/>
-              </a:spcBef>
-              <a:spcAft>
-                <a:spcPts val="0"/>
-              </a:spcAft>
-              <a:buNone/>
-            </a:pPr>
-            <a:r>
-              <a:rPr lang="en"/>
-              <a:t>Results </a:t>
-            </a:r>
-            <a:r>
-              <a:rPr lang="en"/>
-              <a:t>and Next Steps</a:t>
-            </a:r>
-            <a:endParaRPr/>
-          </a:p>
-        </p:txBody>
-      </p:sp>
-      <p:sp>
-        <p:nvSpPr>
-          <p:cNvPr id="107" name="Google Shape;107;p20"/>
+          <p:cNvPr id="98" name="Google Shape;98;p18"/>
           <p:cNvSpPr txBox="1"/>
           <p:nvPr>
             <p:ph idx="1" type="body"/>
@@ -7547,14 +7297,25 @@
               <a:spcAft>
                 <a:spcPts val="0"/>
               </a:spcAft>
+              <a:buClr>
+                <a:srgbClr val="000000"/>
+              </a:buClr>
               <a:buSzPts val="1800"/>
               <a:buChar char="●"/>
             </a:pPr>
             <a:r>
-              <a:rPr lang="en"/>
-              <a:t>Based on this data we cannot conclude that Weed Pirates are causing a significant increase in crime.  Instead, I observe a continuation of trends existing before legalization.</a:t>
+              <a:rPr lang="en">
+                <a:solidFill>
+                  <a:srgbClr val="000000"/>
+                </a:solidFill>
+              </a:rPr>
+              <a:t>Based on this data we cannot conclude that Weed Pirates are causing a significant increase in crime in all areas where cannabis is legal.  </a:t>
             </a:r>
-            <a:endParaRPr/>
+            <a:endParaRPr>
+              <a:solidFill>
+                <a:srgbClr val="000000"/>
+              </a:solidFill>
+            </a:endParaRPr>
           </a:p>
           <a:p>
             <a:pPr indent="-342900" lvl="0" marL="457200" rtl="0" algn="l">
@@ -7564,14 +7325,25 @@
               <a:spcAft>
                 <a:spcPts val="0"/>
               </a:spcAft>
+              <a:buClr>
+                <a:srgbClr val="000000"/>
+              </a:buClr>
               <a:buSzPts val="1800"/>
               <a:buChar char="●"/>
             </a:pPr>
             <a:r>
-              <a:rPr lang="en"/>
+              <a:rPr lang="en">
+                <a:solidFill>
+                  <a:srgbClr val="000000"/>
+                </a:solidFill>
+              </a:rPr>
               <a:t>Next Steps:</a:t>
             </a:r>
-            <a:endParaRPr/>
+            <a:endParaRPr>
+              <a:solidFill>
+                <a:srgbClr val="000000"/>
+              </a:solidFill>
+            </a:endParaRPr>
           </a:p>
           <a:p>
             <a:pPr indent="-317500" lvl="1" marL="914400" rtl="0" algn="l">
@@ -7581,14 +7353,25 @@
               <a:spcAft>
                 <a:spcPts val="0"/>
               </a:spcAft>
+              <a:buClr>
+                <a:srgbClr val="000000"/>
+              </a:buClr>
               <a:buSzPts val="1400"/>
               <a:buChar char="○"/>
             </a:pPr>
             <a:r>
-              <a:rPr lang="en"/>
+              <a:rPr lang="en">
+                <a:solidFill>
+                  <a:srgbClr val="000000"/>
+                </a:solidFill>
+              </a:rPr>
               <a:t>Identify more Control Cities for Seattle</a:t>
             </a:r>
-            <a:endParaRPr/>
+            <a:endParaRPr>
+              <a:solidFill>
+                <a:srgbClr val="000000"/>
+              </a:solidFill>
+            </a:endParaRPr>
           </a:p>
           <a:p>
             <a:pPr indent="-317500" lvl="1" marL="914400" rtl="0" algn="l">
@@ -7598,14 +7381,25 @@
               <a:spcAft>
                 <a:spcPts val="0"/>
               </a:spcAft>
+              <a:buClr>
+                <a:srgbClr val="000000"/>
+              </a:buClr>
               <a:buSzPts val="1400"/>
               <a:buChar char="○"/>
             </a:pPr>
             <a:r>
-              <a:rPr lang="en"/>
+              <a:rPr lang="en">
+                <a:solidFill>
+                  <a:srgbClr val="000000"/>
+                </a:solidFill>
+              </a:rPr>
               <a:t>Evaluate other types of crime to see where legalization had an impact</a:t>
             </a:r>
-            <a:endParaRPr/>
+            <a:endParaRPr>
+              <a:solidFill>
+                <a:srgbClr val="000000"/>
+              </a:solidFill>
+            </a:endParaRPr>
           </a:p>
           <a:p>
             <a:pPr indent="-317500" lvl="1" marL="914400" rtl="0" algn="l">
@@ -7615,14 +7409,25 @@
               <a:spcAft>
                 <a:spcPts val="0"/>
               </a:spcAft>
+              <a:buClr>
+                <a:srgbClr val="000000"/>
+              </a:buClr>
               <a:buSzPts val="1400"/>
               <a:buChar char="○"/>
             </a:pPr>
             <a:r>
-              <a:rPr lang="en"/>
+              <a:rPr lang="en">
+                <a:solidFill>
+                  <a:srgbClr val="000000"/>
+                </a:solidFill>
+              </a:rPr>
               <a:t>Apply the same process to a different test city</a:t>
             </a:r>
-            <a:endParaRPr/>
+            <a:endParaRPr>
+              <a:solidFill>
+                <a:srgbClr val="000000"/>
+              </a:solidFill>
+            </a:endParaRPr>
           </a:p>
           <a:p>
             <a:pPr indent="-317500" lvl="1" marL="914400" rtl="0" algn="l">
@@ -7632,12 +7437,67 @@
               <a:spcAft>
                 <a:spcPts val="0"/>
               </a:spcAft>
+              <a:buClr>
+                <a:srgbClr val="000000"/>
+              </a:buClr>
               <a:buSzPts val="1400"/>
               <a:buChar char="○"/>
             </a:pPr>
             <a:r>
+              <a:rPr lang="en">
+                <a:solidFill>
+                  <a:srgbClr val="000000"/>
+                </a:solidFill>
+              </a:rPr>
+              <a:t>Dig deeper into data to see if there are any trends by neighborhood</a:t>
+            </a:r>
+            <a:endParaRPr>
+              <a:solidFill>
+                <a:srgbClr val="000000"/>
+              </a:solidFill>
+            </a:endParaRPr>
+          </a:p>
+        </p:txBody>
+      </p:sp>
+      <p:sp>
+        <p:nvSpPr>
+          <p:cNvPr id="99" name="Google Shape;99;p18"/>
+          <p:cNvSpPr txBox="1"/>
+          <p:nvPr>
+            <p:ph type="title"/>
+          </p:nvPr>
+        </p:nvSpPr>
+        <p:spPr>
+          <a:xfrm>
+            <a:off x="311700" y="445025"/>
+            <a:ext cx="8143500" cy="572700"/>
+          </a:xfrm>
+          <a:prstGeom prst="rect">
+            <a:avLst/>
+          </a:prstGeom>
+        </p:spPr>
+        <p:txBody>
+          <a:bodyPr anchorCtr="0" anchor="t" bIns="91425" lIns="91425" spcFirstLastPara="1" rIns="91425" wrap="square" tIns="91425">
+            <a:noAutofit/>
+          </a:bodyPr>
+          <a:lstStyle/>
+          <a:p>
+            <a:pPr indent="0" lvl="0" marL="0" rtl="0" algn="ctr">
+              <a:spcBef>
+                <a:spcPts val="0"/>
+              </a:spcBef>
+              <a:spcAft>
+                <a:spcPts val="0"/>
+              </a:spcAft>
+              <a:buNone/>
+            </a:pPr>
+            <a:r>
               <a:rPr lang="en"/>
-              <a:t>Perform trend analysis to verify our findings</a:t>
+              <a:t>Results </a:t>
+            </a:r>
+            <a:r>
+              <a:rPr lang="en"/>
+              <a:t>and Next Steps</a:t>
             </a:r>
             <a:endParaRPr/>
           </a:p>
@@ -7645,21 +7505,21 @@
       </p:sp>
       <p:pic>
         <p:nvPicPr>
-          <p:cNvPr id="108" name="Google Shape;108;p20"/>
+          <p:cNvPr id="100" name="Google Shape;100;p18"/>
           <p:cNvPicPr preferRelativeResize="0"/>
           <p:nvPr/>
         </p:nvPicPr>
         <p:blipFill rotWithShape="1">
-          <a:blip r:embed="rId3">
-            <a:alphaModFix/>
+          <a:blip r:embed="rId5">
+            <a:alphaModFix amt="54000"/>
           </a:blip>
-          <a:srcRect b="37980" l="0" r="0" t="35416"/>
+          <a:srcRect b="7947" l="17850" r="17591" t="2245"/>
           <a:stretch/>
         </p:blipFill>
         <p:spPr>
           <a:xfrm>
-            <a:off x="1600200" y="3562350"/>
-            <a:ext cx="5943600" cy="1581150"/>
+            <a:off x="7068525" y="1894300"/>
+            <a:ext cx="822775" cy="1932750"/>
           </a:xfrm>
           <a:prstGeom prst="rect">
             <a:avLst/>
@@ -7675,6 +7535,160 @@
   <p:clrMapOvr>
     <a:masterClrMapping/>
   </p:clrMapOvr>
+  <p:timing>
+    <p:tnLst>
+      <p:par>
+        <p:cTn dur="indefinite" nodeType="tmRoot" restart="never">
+          <p:childTnLst>
+            <p:seq concurrent="1" nextAc="seek">
+              <p:cTn dur="indefinite" id="2" nodeType="mainSeq">
+                <p:childTnLst>
+                  <p:par>
+                    <p:cTn fill="hold">
+                      <p:stCondLst>
+                        <p:cond delay="indefinite"/>
+                        <p:cond evt="onBegin" delay="0">
+                          <p:tn val="2"/>
+                        </p:cond>
+                      </p:stCondLst>
+                      <p:childTnLst>
+                        <p:par>
+                          <p:cTn fill="hold">
+                            <p:stCondLst>
+                              <p:cond delay="0"/>
+                            </p:stCondLst>
+                            <p:childTnLst>
+                              <p:par>
+                                <p:cTn fill="hold" nodeType="afterEffect" presetClass="entr" presetID="2" presetSubtype="8">
+                                  <p:stCondLst>
+                                    <p:cond delay="0"/>
+                                  </p:stCondLst>
+                                  <p:childTnLst>
+                                    <p:set>
+                                      <p:cBhvr>
+                                        <p:cTn dur="1" fill="hold">
+                                          <p:stCondLst>
+                                            <p:cond delay="0"/>
+                                          </p:stCondLst>
+                                        </p:cTn>
+                                        <p:tgtEl>
+                                          <p:spTgt spid="97"/>
+                                        </p:tgtEl>
+                                        <p:attrNameLst>
+                                          <p:attrName>style.visibility</p:attrName>
+                                        </p:attrNameLst>
+                                      </p:cBhvr>
+                                      <p:to>
+                                        <p:strVal val="visible"/>
+                                      </p:to>
+                                    </p:set>
+                                    <p:anim calcmode="lin" valueType="num">
+                                      <p:cBhvr additive="base">
+                                        <p:cTn dur="1000"/>
+                                        <p:tgtEl>
+                                          <p:spTgt spid="97"/>
+                                        </p:tgtEl>
+                                        <p:attrNameLst>
+                                          <p:attrName>ppt_x</p:attrName>
+                                        </p:attrNameLst>
+                                      </p:cBhvr>
+                                      <p:tavLst>
+                                        <p:tav fmla="" tm="0">
+                                          <p:val>
+                                            <p:strVal val="#ppt_x-1"/>
+                                          </p:val>
+                                        </p:tav>
+                                        <p:tav fmla="" tm="100000">
+                                          <p:val>
+                                            <p:strVal val="#ppt_x"/>
+                                          </p:val>
+                                        </p:tav>
+                                      </p:tavLst>
+                                    </p:anim>
+                                  </p:childTnLst>
+                                </p:cTn>
+                              </p:par>
+                            </p:childTnLst>
+                          </p:cTn>
+                        </p:par>
+                      </p:childTnLst>
+                    </p:cTn>
+                  </p:par>
+                  <p:par>
+                    <p:cTn fill="hold">
+                      <p:stCondLst>
+                        <p:cond delay="indefinite"/>
+                      </p:stCondLst>
+                      <p:childTnLst>
+                        <p:par>
+                          <p:cTn fill="hold">
+                            <p:stCondLst>
+                              <p:cond delay="0"/>
+                            </p:stCondLst>
+                            <p:childTnLst>
+                              <p:par>
+                                <p:cTn fill="hold" nodeType="clickEffect" presetClass="entr" presetID="10" presetSubtype="0">
+                                  <p:stCondLst>
+                                    <p:cond delay="0"/>
+                                  </p:stCondLst>
+                                  <p:childTnLst>
+                                    <p:set>
+                                      <p:cBhvr>
+                                        <p:cTn dur="1" fill="hold">
+                                          <p:stCondLst>
+                                            <p:cond delay="0"/>
+                                          </p:stCondLst>
+                                        </p:cTn>
+                                        <p:tgtEl>
+                                          <p:spTgt spid="100"/>
+                                        </p:tgtEl>
+                                        <p:attrNameLst>
+                                          <p:attrName>style.visibility</p:attrName>
+                                        </p:attrNameLst>
+                                      </p:cBhvr>
+                                      <p:to>
+                                        <p:strVal val="visible"/>
+                                      </p:to>
+                                    </p:set>
+                                    <p:animEffect filter="fade" transition="in">
+                                      <p:cBhvr>
+                                        <p:cTn dur="1000"/>
+                                        <p:tgtEl>
+                                          <p:spTgt spid="100"/>
+                                        </p:tgtEl>
+                                      </p:cBhvr>
+                                    </p:animEffect>
+                                  </p:childTnLst>
+                                </p:cTn>
+                              </p:par>
+                            </p:childTnLst>
+                          </p:cTn>
+                        </p:par>
+                      </p:childTnLst>
+                    </p:cTn>
+                  </p:par>
+                </p:childTnLst>
+              </p:cTn>
+              <p:prevCondLst>
+                <p:cond evt="onPrev">
+                  <p:tgtEl>
+                    <p:sldTgt/>
+                  </p:tgtEl>
+                </p:cond>
+              </p:prevCondLst>
+              <p:nextCondLst>
+                <p:cond evt="onNext">
+                  <p:tgtEl>
+                    <p:sldTgt/>
+                  </p:tgtEl>
+                </p:cond>
+              </p:nextCondLst>
+            </p:seq>
+          </p:childTnLst>
+        </p:cTn>
+      </p:par>
+    </p:tnLst>
+  </p:timing>
 </p:sld>
 </file>
 
